--- a/Tugas 1/Pengenalan Python.pptx
+++ b/Tugas 1/Pengenalan Python.pptx
@@ -30,7 +30,9 @@
     <p:sldId id="279" r:id="rId24"/>
     <p:sldId id="280" r:id="rId25"/>
     <p:sldId id="281" r:id="rId26"/>
-    <p:sldId id="282" r:id="rId27"/>
+    <p:sldId id="283" r:id="rId27"/>
+    <p:sldId id="284" r:id="rId28"/>
+    <p:sldId id="282" r:id="rId29"/>
   </p:sldIdLst>
   <p:sldSz cx="12192000" cy="6858000"/>
   <p:notesSz cx="6858000" cy="9144000"/>
@@ -131,7 +133,18 @@
   </p:defaultTextStyle>
   <p:extLst>
     <p:ext uri="{EFAFB233-063F-42B5-8137-9DF3F51BA10A}">
-      <p15:sldGuideLst xmlns:p15="http://schemas.microsoft.com/office/powerpoint/2012/main" xmlns=""/>
+      <p15:sldGuideLst xmlns:p15="http://schemas.microsoft.com/office/powerpoint/2012/main">
+        <p15:guide id="1" orient="horz" pos="2160">
+          <p15:clr>
+            <a:srgbClr val="A4A3A4"/>
+          </p15:clr>
+        </p15:guide>
+        <p15:guide id="2" pos="3840">
+          <p15:clr>
+            <a:srgbClr val="A4A3A4"/>
+          </p15:clr>
+        </p15:guide>
+      </p15:sldGuideLst>
     </p:ext>
   </p:extLst>
 </p:presentation>
@@ -186,7 +199,7 @@
           </a:lstStyle>
           <a:p>
             <a:r>
-              <a:rPr lang="en-US" smtClean="0"/>
+              <a:rPr lang="en-US"/>
               <a:t>Click to edit Master title style</a:t>
             </a:r>
             <a:endParaRPr lang="en-US" dirty="0"/>
@@ -307,7 +320,7 @@
           </a:lstStyle>
           <a:p>
             <a:r>
-              <a:rPr lang="en-US" smtClean="0"/>
+              <a:rPr lang="en-US"/>
               <a:t>Click to edit Master subtitle style</a:t>
             </a:r>
             <a:endParaRPr lang="en-US" dirty="0"/>
@@ -331,7 +344,7 @@
           <a:p>
             <a:fld id="{047FADAB-D9AF-4329-9DA2-0DFFD2DB93CA}" type="datetimeFigureOut">
               <a:rPr lang="en-US" smtClean="0"/>
-              <a:t>3/23/2019</a:t>
+              <a:t>3/30/2019</a:t>
             </a:fld>
             <a:endParaRPr lang="en-US"/>
           </a:p>
@@ -420,10 +433,9 @@
           <a:lstStyle/>
           <a:p>
             <a:r>
-              <a:rPr lang="en-US" smtClean="0"/>
+              <a:rPr lang="en-US"/>
               <a:t>Click to edit Master title style</a:t>
             </a:r>
-            <a:endParaRPr lang="en-US"/>
           </a:p>
         </p:txBody>
       </p:sp>
@@ -444,38 +456,37 @@
           <a:p>
             <a:pPr lvl="0"/>
             <a:r>
-              <a:rPr lang="en-US" smtClean="0"/>
+              <a:rPr lang="en-US"/>
               <a:t>Click to edit Master text styles</a:t>
             </a:r>
           </a:p>
           <a:p>
             <a:pPr lvl="1"/>
             <a:r>
-              <a:rPr lang="en-US" smtClean="0"/>
+              <a:rPr lang="en-US"/>
               <a:t>Second level</a:t>
             </a:r>
           </a:p>
           <a:p>
             <a:pPr lvl="2"/>
             <a:r>
-              <a:rPr lang="en-US" smtClean="0"/>
+              <a:rPr lang="en-US"/>
               <a:t>Third level</a:t>
             </a:r>
           </a:p>
           <a:p>
             <a:pPr lvl="3"/>
             <a:r>
-              <a:rPr lang="en-US" smtClean="0"/>
+              <a:rPr lang="en-US"/>
               <a:t>Fourth level</a:t>
             </a:r>
           </a:p>
           <a:p>
             <a:pPr lvl="4"/>
             <a:r>
-              <a:rPr lang="en-US" smtClean="0"/>
+              <a:rPr lang="en-US"/>
               <a:t>Fifth level</a:t>
             </a:r>
-            <a:endParaRPr lang="en-US"/>
           </a:p>
         </p:txBody>
       </p:sp>
@@ -496,7 +507,7 @@
           <a:p>
             <a:fld id="{047FADAB-D9AF-4329-9DA2-0DFFD2DB93CA}" type="datetimeFigureOut">
               <a:rPr lang="en-US" smtClean="0"/>
-              <a:t>3/23/2019</a:t>
+              <a:t>3/30/2019</a:t>
             </a:fld>
             <a:endParaRPr lang="en-US"/>
           </a:p>
@@ -590,7 +601,7 @@
           <a:lstStyle/>
           <a:p>
             <a:r>
-              <a:rPr lang="en-US" smtClean="0"/>
+              <a:rPr lang="en-US"/>
               <a:t>Click to edit Master title style</a:t>
             </a:r>
             <a:endParaRPr lang="en-US" dirty="0"/>
@@ -619,38 +630,37 @@
           <a:p>
             <a:pPr lvl="0"/>
             <a:r>
-              <a:rPr lang="en-US" smtClean="0"/>
+              <a:rPr lang="en-US"/>
               <a:t>Click to edit Master text styles</a:t>
             </a:r>
           </a:p>
           <a:p>
             <a:pPr lvl="1"/>
             <a:r>
-              <a:rPr lang="en-US" smtClean="0"/>
+              <a:rPr lang="en-US"/>
               <a:t>Second level</a:t>
             </a:r>
           </a:p>
           <a:p>
             <a:pPr lvl="2"/>
             <a:r>
-              <a:rPr lang="en-US" smtClean="0"/>
+              <a:rPr lang="en-US"/>
               <a:t>Third level</a:t>
             </a:r>
           </a:p>
           <a:p>
             <a:pPr lvl="3"/>
             <a:r>
-              <a:rPr lang="en-US" smtClean="0"/>
+              <a:rPr lang="en-US"/>
               <a:t>Fourth level</a:t>
             </a:r>
           </a:p>
           <a:p>
             <a:pPr lvl="4"/>
             <a:r>
-              <a:rPr lang="en-US" smtClean="0"/>
+              <a:rPr lang="en-US"/>
               <a:t>Fifth level</a:t>
             </a:r>
-            <a:endParaRPr lang="en-US"/>
           </a:p>
         </p:txBody>
       </p:sp>
@@ -671,7 +681,7 @@
           <a:p>
             <a:fld id="{047FADAB-D9AF-4329-9DA2-0DFFD2DB93CA}" type="datetimeFigureOut">
               <a:rPr lang="en-US" smtClean="0"/>
-              <a:t>3/23/2019</a:t>
+              <a:t>3/30/2019</a:t>
             </a:fld>
             <a:endParaRPr lang="en-US"/>
           </a:p>
@@ -760,10 +770,9 @@
           <a:lstStyle/>
           <a:p>
             <a:r>
-              <a:rPr lang="en-US" smtClean="0"/>
+              <a:rPr lang="en-US"/>
               <a:t>Click to edit Master title style</a:t>
             </a:r>
-            <a:endParaRPr lang="en-US"/>
           </a:p>
         </p:txBody>
       </p:sp>
@@ -784,38 +793,37 @@
           <a:p>
             <a:pPr lvl="0"/>
             <a:r>
-              <a:rPr lang="en-US" smtClean="0"/>
+              <a:rPr lang="en-US"/>
               <a:t>Click to edit Master text styles</a:t>
             </a:r>
           </a:p>
           <a:p>
             <a:pPr lvl="1"/>
             <a:r>
-              <a:rPr lang="en-US" smtClean="0"/>
+              <a:rPr lang="en-US"/>
               <a:t>Second level</a:t>
             </a:r>
           </a:p>
           <a:p>
             <a:pPr lvl="2"/>
             <a:r>
-              <a:rPr lang="en-US" smtClean="0"/>
+              <a:rPr lang="en-US"/>
               <a:t>Third level</a:t>
             </a:r>
           </a:p>
           <a:p>
             <a:pPr lvl="3"/>
             <a:r>
-              <a:rPr lang="en-US" smtClean="0"/>
+              <a:rPr lang="en-US"/>
               <a:t>Fourth level</a:t>
             </a:r>
           </a:p>
           <a:p>
             <a:pPr lvl="4"/>
             <a:r>
-              <a:rPr lang="en-US" smtClean="0"/>
+              <a:rPr lang="en-US"/>
               <a:t>Fifth level</a:t>
             </a:r>
-            <a:endParaRPr lang="en-US"/>
           </a:p>
         </p:txBody>
       </p:sp>
@@ -836,7 +844,7 @@
           <a:p>
             <a:fld id="{047FADAB-D9AF-4329-9DA2-0DFFD2DB93CA}" type="datetimeFigureOut">
               <a:rPr lang="en-US" smtClean="0"/>
-              <a:t>3/23/2019</a:t>
+              <a:t>3/30/2019</a:t>
             </a:fld>
             <a:endParaRPr lang="en-US"/>
           </a:p>
@@ -934,7 +942,7 @@
           </a:lstStyle>
           <a:p>
             <a:r>
-              <a:rPr lang="en-US" smtClean="0"/>
+              <a:rPr lang="en-US"/>
               <a:t>Click to edit Master title style</a:t>
             </a:r>
             <a:endParaRPr lang="en-US" dirty="0"/>
@@ -1054,7 +1062,7 @@
           <a:p>
             <a:pPr lvl="0"/>
             <a:r>
-              <a:rPr lang="en-US" smtClean="0"/>
+              <a:rPr lang="en-US"/>
               <a:t>Click to edit Master text styles</a:t>
             </a:r>
           </a:p>
@@ -1077,7 +1085,7 @@
           <a:p>
             <a:fld id="{047FADAB-D9AF-4329-9DA2-0DFFD2DB93CA}" type="datetimeFigureOut">
               <a:rPr lang="en-US" smtClean="0"/>
-              <a:t>3/23/2019</a:t>
+              <a:t>3/30/2019</a:t>
             </a:fld>
             <a:endParaRPr lang="en-US"/>
           </a:p>
@@ -1166,10 +1174,9 @@
           <a:lstStyle/>
           <a:p>
             <a:r>
-              <a:rPr lang="en-US" smtClean="0"/>
+              <a:rPr lang="en-US"/>
               <a:t>Click to edit Master title style</a:t>
             </a:r>
-            <a:endParaRPr lang="en-US"/>
           </a:p>
         </p:txBody>
       </p:sp>
@@ -1223,35 +1230,35 @@
           <a:p>
             <a:pPr lvl="0"/>
             <a:r>
-              <a:rPr lang="en-US" smtClean="0"/>
+              <a:rPr lang="en-US"/>
               <a:t>Click to edit Master text styles</a:t>
             </a:r>
           </a:p>
           <a:p>
             <a:pPr lvl="1"/>
             <a:r>
-              <a:rPr lang="en-US" smtClean="0"/>
+              <a:rPr lang="en-US"/>
               <a:t>Second level</a:t>
             </a:r>
           </a:p>
           <a:p>
             <a:pPr lvl="2"/>
             <a:r>
-              <a:rPr lang="en-US" smtClean="0"/>
+              <a:rPr lang="en-US"/>
               <a:t>Third level</a:t>
             </a:r>
           </a:p>
           <a:p>
             <a:pPr lvl="3"/>
             <a:r>
-              <a:rPr lang="en-US" smtClean="0"/>
+              <a:rPr lang="en-US"/>
               <a:t>Fourth level</a:t>
             </a:r>
           </a:p>
           <a:p>
             <a:pPr lvl="4"/>
             <a:r>
-              <a:rPr lang="en-US" smtClean="0"/>
+              <a:rPr lang="en-US"/>
               <a:t>Fifth level</a:t>
             </a:r>
             <a:endParaRPr lang="en-US" dirty="0"/>
@@ -1308,35 +1315,35 @@
           <a:p>
             <a:pPr lvl="0"/>
             <a:r>
-              <a:rPr lang="en-US" smtClean="0"/>
+              <a:rPr lang="en-US"/>
               <a:t>Click to edit Master text styles</a:t>
             </a:r>
           </a:p>
           <a:p>
             <a:pPr lvl="1"/>
             <a:r>
-              <a:rPr lang="en-US" smtClean="0"/>
+              <a:rPr lang="en-US"/>
               <a:t>Second level</a:t>
             </a:r>
           </a:p>
           <a:p>
             <a:pPr lvl="2"/>
             <a:r>
-              <a:rPr lang="en-US" smtClean="0"/>
+              <a:rPr lang="en-US"/>
               <a:t>Third level</a:t>
             </a:r>
           </a:p>
           <a:p>
             <a:pPr lvl="3"/>
             <a:r>
-              <a:rPr lang="en-US" smtClean="0"/>
+              <a:rPr lang="en-US"/>
               <a:t>Fourth level</a:t>
             </a:r>
           </a:p>
           <a:p>
             <a:pPr lvl="4"/>
             <a:r>
-              <a:rPr lang="en-US" smtClean="0"/>
+              <a:rPr lang="en-US"/>
               <a:t>Fifth level</a:t>
             </a:r>
             <a:endParaRPr lang="en-US" dirty="0"/>
@@ -1360,7 +1367,7 @@
           <a:p>
             <a:fld id="{047FADAB-D9AF-4329-9DA2-0DFFD2DB93CA}" type="datetimeFigureOut">
               <a:rPr lang="en-US" smtClean="0"/>
-              <a:t>3/23/2019</a:t>
+              <a:t>3/30/2019</a:t>
             </a:fld>
             <a:endParaRPr lang="en-US"/>
           </a:p>
@@ -1453,10 +1460,9 @@
           </a:lstStyle>
           <a:p>
             <a:r>
-              <a:rPr lang="en-US" smtClean="0"/>
+              <a:rPr lang="en-US"/>
               <a:t>Click to edit Master title style</a:t>
             </a:r>
-            <a:endParaRPr lang="en-US"/>
           </a:p>
         </p:txBody>
       </p:sp>
@@ -1525,7 +1531,7 @@
           <a:p>
             <a:pPr lvl="0"/>
             <a:r>
-              <a:rPr lang="en-US" smtClean="0"/>
+              <a:rPr lang="en-US"/>
               <a:t>Click to edit Master text styles</a:t>
             </a:r>
           </a:p>
@@ -1581,35 +1587,35 @@
           <a:p>
             <a:pPr lvl="0"/>
             <a:r>
-              <a:rPr lang="en-US" smtClean="0"/>
+              <a:rPr lang="en-US"/>
               <a:t>Click to edit Master text styles</a:t>
             </a:r>
           </a:p>
           <a:p>
             <a:pPr lvl="1"/>
             <a:r>
-              <a:rPr lang="en-US" smtClean="0"/>
+              <a:rPr lang="en-US"/>
               <a:t>Second level</a:t>
             </a:r>
           </a:p>
           <a:p>
             <a:pPr lvl="2"/>
             <a:r>
-              <a:rPr lang="en-US" smtClean="0"/>
+              <a:rPr lang="en-US"/>
               <a:t>Third level</a:t>
             </a:r>
           </a:p>
           <a:p>
             <a:pPr lvl="3"/>
             <a:r>
-              <a:rPr lang="en-US" smtClean="0"/>
+              <a:rPr lang="en-US"/>
               <a:t>Fourth level</a:t>
             </a:r>
           </a:p>
           <a:p>
             <a:pPr lvl="4"/>
             <a:r>
-              <a:rPr lang="en-US" smtClean="0"/>
+              <a:rPr lang="en-US"/>
               <a:t>Fifth level</a:t>
             </a:r>
             <a:endParaRPr lang="en-US" dirty="0"/>
@@ -1681,7 +1687,7 @@
           <a:p>
             <a:pPr lvl="0"/>
             <a:r>
-              <a:rPr lang="en-US" smtClean="0"/>
+              <a:rPr lang="en-US"/>
               <a:t>Click to edit Master text styles</a:t>
             </a:r>
           </a:p>
@@ -1737,38 +1743,37 @@
           <a:p>
             <a:pPr lvl="0"/>
             <a:r>
-              <a:rPr lang="en-US" smtClean="0"/>
+              <a:rPr lang="en-US"/>
               <a:t>Click to edit Master text styles</a:t>
             </a:r>
           </a:p>
           <a:p>
             <a:pPr lvl="1"/>
             <a:r>
-              <a:rPr lang="en-US" smtClean="0"/>
+              <a:rPr lang="en-US"/>
               <a:t>Second level</a:t>
             </a:r>
           </a:p>
           <a:p>
             <a:pPr lvl="2"/>
             <a:r>
-              <a:rPr lang="en-US" smtClean="0"/>
+              <a:rPr lang="en-US"/>
               <a:t>Third level</a:t>
             </a:r>
           </a:p>
           <a:p>
             <a:pPr lvl="3"/>
             <a:r>
-              <a:rPr lang="en-US" smtClean="0"/>
+              <a:rPr lang="en-US"/>
               <a:t>Fourth level</a:t>
             </a:r>
           </a:p>
           <a:p>
             <a:pPr lvl="4"/>
             <a:r>
-              <a:rPr lang="en-US" smtClean="0"/>
+              <a:rPr lang="en-US"/>
               <a:t>Fifth level</a:t>
             </a:r>
-            <a:endParaRPr lang="en-US"/>
           </a:p>
         </p:txBody>
       </p:sp>
@@ -1789,7 +1794,7 @@
           <a:p>
             <a:fld id="{047FADAB-D9AF-4329-9DA2-0DFFD2DB93CA}" type="datetimeFigureOut">
               <a:rPr lang="en-US" smtClean="0"/>
-              <a:t>3/23/2019</a:t>
+              <a:t>3/30/2019</a:t>
             </a:fld>
             <a:endParaRPr lang="en-US"/>
           </a:p>
@@ -1878,10 +1883,9 @@
           <a:lstStyle/>
           <a:p>
             <a:r>
-              <a:rPr lang="en-US" smtClean="0"/>
+              <a:rPr lang="en-US"/>
               <a:t>Click to edit Master title style</a:t>
             </a:r>
-            <a:endParaRPr lang="en-US"/>
           </a:p>
         </p:txBody>
       </p:sp>
@@ -1902,7 +1906,7 @@
           <a:p>
             <a:fld id="{047FADAB-D9AF-4329-9DA2-0DFFD2DB93CA}" type="datetimeFigureOut">
               <a:rPr lang="en-US" smtClean="0"/>
-              <a:t>3/23/2019</a:t>
+              <a:t>3/30/2019</a:t>
             </a:fld>
             <a:endParaRPr lang="en-US"/>
           </a:p>
@@ -1992,7 +1996,7 @@
           <a:p>
             <a:fld id="{047FADAB-D9AF-4329-9DA2-0DFFD2DB93CA}" type="datetimeFigureOut">
               <a:rPr lang="en-US" smtClean="0"/>
-              <a:t>3/23/2019</a:t>
+              <a:t>3/30/2019</a:t>
             </a:fld>
             <a:endParaRPr lang="en-US"/>
           </a:p>
@@ -2090,7 +2094,7 @@
           </a:lstStyle>
           <a:p>
             <a:r>
-              <a:rPr lang="en-US" smtClean="0"/>
+              <a:rPr lang="en-US"/>
               <a:t>Click to edit Master title style</a:t>
             </a:r>
             <a:endParaRPr lang="en-US" dirty="0"/>
@@ -2158,7 +2162,7 @@
           <a:p>
             <a:pPr lvl="0"/>
             <a:r>
-              <a:rPr lang="en-US" smtClean="0"/>
+              <a:rPr lang="en-US"/>
               <a:t>Click to edit Master text styles</a:t>
             </a:r>
           </a:p>
@@ -2181,7 +2185,7 @@
           <a:p>
             <a:fld id="{047FADAB-D9AF-4329-9DA2-0DFFD2DB93CA}" type="datetimeFigureOut">
               <a:rPr lang="en-US" smtClean="0"/>
-              <a:t>3/23/2019</a:t>
+              <a:t>3/30/2019</a:t>
             </a:fld>
             <a:endParaRPr lang="en-US"/>
           </a:p>
@@ -2251,38 +2255,37 @@
           <a:p>
             <a:pPr lvl="0"/>
             <a:r>
-              <a:rPr lang="en-US" smtClean="0"/>
+              <a:rPr lang="en-US"/>
               <a:t>Click to edit Master text styles</a:t>
             </a:r>
           </a:p>
           <a:p>
             <a:pPr lvl="1"/>
             <a:r>
-              <a:rPr lang="en-US" smtClean="0"/>
+              <a:rPr lang="en-US"/>
               <a:t>Second level</a:t>
             </a:r>
           </a:p>
           <a:p>
             <a:pPr lvl="2"/>
             <a:r>
-              <a:rPr lang="en-US" smtClean="0"/>
+              <a:rPr lang="en-US"/>
               <a:t>Third level</a:t>
             </a:r>
           </a:p>
           <a:p>
             <a:pPr lvl="3"/>
             <a:r>
-              <a:rPr lang="en-US" smtClean="0"/>
+              <a:rPr lang="en-US"/>
               <a:t>Fourth level</a:t>
             </a:r>
           </a:p>
           <a:p>
             <a:pPr lvl="4"/>
             <a:r>
-              <a:rPr lang="en-US" smtClean="0"/>
+              <a:rPr lang="en-US"/>
               <a:t>Fifth level</a:t>
             </a:r>
-            <a:endParaRPr lang="en-US"/>
           </a:p>
         </p:txBody>
       </p:sp>
@@ -2343,7 +2346,7 @@
           </a:lstStyle>
           <a:p>
             <a:r>
-              <a:rPr lang="en-US" smtClean="0"/>
+              <a:rPr lang="en-US"/>
               <a:t>Click to edit Master title style</a:t>
             </a:r>
             <a:endParaRPr lang="en-US" dirty="0"/>
@@ -2408,7 +2411,7 @@
           </a:lstStyle>
           <a:p>
             <a:r>
-              <a:rPr lang="en-US" smtClean="0"/>
+              <a:rPr lang="en-US"/>
               <a:t>Click icon to add picture</a:t>
             </a:r>
             <a:endParaRPr lang="en-US" dirty="0"/>
@@ -2476,7 +2479,7 @@
           <a:p>
             <a:pPr lvl="0"/>
             <a:r>
-              <a:rPr lang="en-US" smtClean="0"/>
+              <a:rPr lang="en-US"/>
               <a:t>Click to edit Master text styles</a:t>
             </a:r>
           </a:p>
@@ -2499,7 +2502,7 @@
           <a:p>
             <a:fld id="{047FADAB-D9AF-4329-9DA2-0DFFD2DB93CA}" type="datetimeFigureOut">
               <a:rPr lang="en-US" smtClean="0"/>
-              <a:t>3/23/2019</a:t>
+              <a:t>3/30/2019</a:t>
             </a:fld>
             <a:endParaRPr lang="en-US"/>
           </a:p>
@@ -2603,7 +2606,7 @@
           <a:lstStyle/>
           <a:p>
             <a:r>
-              <a:rPr lang="en-US" smtClean="0"/>
+              <a:rPr lang="en-US"/>
               <a:t>Click to edit Master title style</a:t>
             </a:r>
             <a:endParaRPr lang="en-US" dirty="0"/>
@@ -2637,35 +2640,35 @@
           <a:p>
             <a:pPr lvl="0"/>
             <a:r>
-              <a:rPr lang="en-US" smtClean="0"/>
+              <a:rPr lang="en-US"/>
               <a:t>Click to edit Master text styles</a:t>
             </a:r>
           </a:p>
           <a:p>
             <a:pPr lvl="1"/>
             <a:r>
-              <a:rPr lang="en-US" smtClean="0"/>
+              <a:rPr lang="en-US"/>
               <a:t>Second level</a:t>
             </a:r>
           </a:p>
           <a:p>
             <a:pPr lvl="2"/>
             <a:r>
-              <a:rPr lang="en-US" smtClean="0"/>
+              <a:rPr lang="en-US"/>
               <a:t>Third level</a:t>
             </a:r>
           </a:p>
           <a:p>
             <a:pPr lvl="3"/>
             <a:r>
-              <a:rPr lang="en-US" smtClean="0"/>
+              <a:rPr lang="en-US"/>
               <a:t>Fourth level</a:t>
             </a:r>
           </a:p>
           <a:p>
             <a:pPr lvl="4"/>
             <a:r>
-              <a:rPr lang="en-US" smtClean="0"/>
+              <a:rPr lang="en-US"/>
               <a:t>Fifth level</a:t>
             </a:r>
             <a:endParaRPr lang="en-US" dirty="0"/>
@@ -2878,7 +2881,7 @@
           <a:p>
             <a:fld id="{047FADAB-D9AF-4329-9DA2-0DFFD2DB93CA}" type="datetimeFigureOut">
               <a:rPr lang="en-US" smtClean="0"/>
-              <a:t>3/23/2019</a:t>
+              <a:t>3/30/2019</a:t>
             </a:fld>
             <a:endParaRPr lang="en-US"/>
           </a:p>
@@ -3206,7 +3209,7 @@
           <p:cNvPr id="2" name="Title 1">
             <a:extLst>
               <a:ext uri="{FF2B5EF4-FFF2-40B4-BE49-F238E27FC236}">
-                <a16:creationId xmlns:a16="http://schemas.microsoft.com/office/drawing/2014/main" xmlns="" id="{520068CD-209F-437B-B987-C9DFE8B842EF}"/>
+                <a16:creationId xmlns:a16="http://schemas.microsoft.com/office/drawing/2014/main" id="{520068CD-209F-437B-B987-C9DFE8B842EF}"/>
               </a:ext>
             </a:extLst>
           </p:cNvPr>
@@ -3223,11 +3226,11 @@
           <a:lstStyle/>
           <a:p>
             <a:r>
-              <a:rPr lang="en-ID" dirty="0" err="1" smtClean="0"/>
+              <a:rPr lang="en-ID" dirty="0" err="1"/>
               <a:t>Pengenalan</a:t>
             </a:r>
             <a:r>
-              <a:rPr lang="en-ID" dirty="0" smtClean="0"/>
+              <a:rPr lang="en-ID" dirty="0"/>
               <a:t> python</a:t>
             </a:r>
             <a:endParaRPr lang="en-US" dirty="0"/>
@@ -3239,7 +3242,7 @@
           <p:cNvPr id="3" name="Subtitle 2">
             <a:extLst>
               <a:ext uri="{FF2B5EF4-FFF2-40B4-BE49-F238E27FC236}">
-                <a16:creationId xmlns:a16="http://schemas.microsoft.com/office/drawing/2014/main" xmlns="" id="{535BDA10-04A1-4CE9-932D-6B11E4429625}"/>
+                <a16:creationId xmlns:a16="http://schemas.microsoft.com/office/drawing/2014/main" id="{535BDA10-04A1-4CE9-932D-6B11E4429625}"/>
               </a:ext>
             </a:extLst>
           </p:cNvPr>
@@ -3258,30 +3261,30 @@
           <a:lstStyle/>
           <a:p>
             <a:r>
-              <a:rPr lang="en-ID" dirty="0" err="1" smtClean="0"/>
+              <a:rPr lang="en-ID" dirty="0" err="1"/>
               <a:t>Rosiyana</a:t>
             </a:r>
             <a:r>
-              <a:rPr lang="en-ID" dirty="0" smtClean="0"/>
-              <a:t> </a:t>
-            </a:r>
-            <a:r>
-              <a:rPr lang="en-ID" dirty="0" err="1" smtClean="0"/>
+              <a:rPr lang="en-ID" dirty="0"/>
+              <a:t> </a:t>
+            </a:r>
+            <a:r>
+              <a:rPr lang="en-ID" dirty="0" err="1"/>
               <a:t>Dwi</a:t>
             </a:r>
             <a:r>
-              <a:rPr lang="en-ID" dirty="0" smtClean="0"/>
-              <a:t> </a:t>
-            </a:r>
-            <a:r>
-              <a:rPr lang="en-ID" dirty="0" err="1" smtClean="0"/>
+              <a:rPr lang="en-ID" dirty="0"/>
+              <a:t> </a:t>
+            </a:r>
+            <a:r>
+              <a:rPr lang="en-ID" dirty="0" err="1"/>
               <a:t>Anggarani</a:t>
             </a:r>
             <a:endParaRPr lang="en-US" dirty="0"/>
           </a:p>
           <a:p>
             <a:r>
-              <a:rPr lang="en-US" smtClean="0"/>
+              <a:rPr lang="en-US"/>
               <a:t>56415276</a:t>
             </a:r>
             <a:endParaRPr lang="en-US" dirty="0"/>
@@ -3323,7 +3326,7 @@
           <p:cNvPr id="2" name="Title 1">
             <a:extLst>
               <a:ext uri="{FF2B5EF4-FFF2-40B4-BE49-F238E27FC236}">
-                <a16:creationId xmlns:a16="http://schemas.microsoft.com/office/drawing/2014/main" xmlns="" id="{AA0E214C-8AF6-4A83-8E9F-6FF926D29D37}"/>
+                <a16:creationId xmlns:a16="http://schemas.microsoft.com/office/drawing/2014/main" id="{AA0E214C-8AF6-4A83-8E9F-6FF926D29D37}"/>
               </a:ext>
             </a:extLst>
           </p:cNvPr>
@@ -3356,7 +3359,7 @@
           <p:cNvPr id="4" name="Content Placeholder 3">
             <a:extLst>
               <a:ext uri="{FF2B5EF4-FFF2-40B4-BE49-F238E27FC236}">
-                <a16:creationId xmlns:a16="http://schemas.microsoft.com/office/drawing/2014/main" xmlns="" id="{7DD4ED09-47DA-46DD-841F-9B5D9B0BB527}"/>
+                <a16:creationId xmlns:a16="http://schemas.microsoft.com/office/drawing/2014/main" id="{7DD4ED09-47DA-46DD-841F-9B5D9B0BB527}"/>
               </a:ext>
             </a:extLst>
           </p:cNvPr>
@@ -3418,7 +3421,7 @@
           <p:cNvPr id="2" name="Title 1">
             <a:extLst>
               <a:ext uri="{FF2B5EF4-FFF2-40B4-BE49-F238E27FC236}">
-                <a16:creationId xmlns:a16="http://schemas.microsoft.com/office/drawing/2014/main" xmlns="" id="{906043A6-961A-487B-8C36-4A41F318FF4B}"/>
+                <a16:creationId xmlns:a16="http://schemas.microsoft.com/office/drawing/2014/main" id="{906043A6-961A-487B-8C36-4A41F318FF4B}"/>
               </a:ext>
             </a:extLst>
           </p:cNvPr>
@@ -3451,7 +3454,7 @@
           <p:cNvPr id="4" name="Content Placeholder 3">
             <a:extLst>
               <a:ext uri="{FF2B5EF4-FFF2-40B4-BE49-F238E27FC236}">
-                <a16:creationId xmlns:a16="http://schemas.microsoft.com/office/drawing/2014/main" xmlns="" id="{B24A32E8-D13B-4B84-9C0E-455EF37104AB}"/>
+                <a16:creationId xmlns:a16="http://schemas.microsoft.com/office/drawing/2014/main" id="{B24A32E8-D13B-4B84-9C0E-455EF37104AB}"/>
               </a:ext>
             </a:extLst>
           </p:cNvPr>
@@ -3513,7 +3516,7 @@
           <p:cNvPr id="2" name="Title 1">
             <a:extLst>
               <a:ext uri="{FF2B5EF4-FFF2-40B4-BE49-F238E27FC236}">
-                <a16:creationId xmlns:a16="http://schemas.microsoft.com/office/drawing/2014/main" xmlns="" id="{700736AE-B941-44A3-956C-4935516E9656}"/>
+                <a16:creationId xmlns:a16="http://schemas.microsoft.com/office/drawing/2014/main" id="{700736AE-B941-44A3-956C-4935516E9656}"/>
               </a:ext>
             </a:extLst>
           </p:cNvPr>
@@ -3546,7 +3549,7 @@
           <p:cNvPr id="4" name="Content Placeholder 3">
             <a:extLst>
               <a:ext uri="{FF2B5EF4-FFF2-40B4-BE49-F238E27FC236}">
-                <a16:creationId xmlns:a16="http://schemas.microsoft.com/office/drawing/2014/main" xmlns="" id="{304A2199-D7AF-4DAF-80A9-D9BF0CA58071}"/>
+                <a16:creationId xmlns:a16="http://schemas.microsoft.com/office/drawing/2014/main" id="{304A2199-D7AF-4DAF-80A9-D9BF0CA58071}"/>
               </a:ext>
             </a:extLst>
           </p:cNvPr>
@@ -3608,7 +3611,7 @@
           <p:cNvPr id="2" name="Title 1">
             <a:extLst>
               <a:ext uri="{FF2B5EF4-FFF2-40B4-BE49-F238E27FC236}">
-                <a16:creationId xmlns:a16="http://schemas.microsoft.com/office/drawing/2014/main" xmlns="" id="{F3C3EFC0-55E0-4ACF-9FCA-87C6CCEDE055}"/>
+                <a16:creationId xmlns:a16="http://schemas.microsoft.com/office/drawing/2014/main" id="{F3C3EFC0-55E0-4ACF-9FCA-87C6CCEDE055}"/>
               </a:ext>
             </a:extLst>
           </p:cNvPr>
@@ -3636,7 +3639,7 @@
           <p:cNvPr id="3" name="Content Placeholder 2">
             <a:extLst>
               <a:ext uri="{FF2B5EF4-FFF2-40B4-BE49-F238E27FC236}">
-                <a16:creationId xmlns:a16="http://schemas.microsoft.com/office/drawing/2014/main" xmlns="" id="{622089CF-855D-4419-AB2A-197A16168D0F}"/>
+                <a16:creationId xmlns:a16="http://schemas.microsoft.com/office/drawing/2014/main" id="{622089CF-855D-4419-AB2A-197A16168D0F}"/>
               </a:ext>
             </a:extLst>
           </p:cNvPr>
@@ -4235,7 +4238,7 @@
           <p:cNvPr id="2" name="Title 1">
             <a:extLst>
               <a:ext uri="{FF2B5EF4-FFF2-40B4-BE49-F238E27FC236}">
-                <a16:creationId xmlns:a16="http://schemas.microsoft.com/office/drawing/2014/main" xmlns="" id="{BDC11D9A-F196-40F7-ACA3-772178CC1F64}"/>
+                <a16:creationId xmlns:a16="http://schemas.microsoft.com/office/drawing/2014/main" id="{BDC11D9A-F196-40F7-ACA3-772178CC1F64}"/>
               </a:ext>
             </a:extLst>
           </p:cNvPr>
@@ -4263,7 +4266,7 @@
           <p:cNvPr id="3" name="Content Placeholder 2">
             <a:extLst>
               <a:ext uri="{FF2B5EF4-FFF2-40B4-BE49-F238E27FC236}">
-                <a16:creationId xmlns:a16="http://schemas.microsoft.com/office/drawing/2014/main" xmlns="" id="{3F062B7C-F686-4B57-B005-9D205289B74D}"/>
+                <a16:creationId xmlns:a16="http://schemas.microsoft.com/office/drawing/2014/main" id="{3F062B7C-F686-4B57-B005-9D205289B74D}"/>
               </a:ext>
             </a:extLst>
           </p:cNvPr>
@@ -4357,7 +4360,7 @@
           <p:cNvPr id="5" name="Picture 4">
             <a:extLst>
               <a:ext uri="{FF2B5EF4-FFF2-40B4-BE49-F238E27FC236}">
-                <a16:creationId xmlns:a16="http://schemas.microsoft.com/office/drawing/2014/main" xmlns="" id="{65A2A7A5-D687-4BD7-A4BA-7762AF3A2936}"/>
+                <a16:creationId xmlns:a16="http://schemas.microsoft.com/office/drawing/2014/main" id="{65A2A7A5-D687-4BD7-A4BA-7762AF3A2936}"/>
               </a:ext>
             </a:extLst>
           </p:cNvPr>
@@ -4417,7 +4420,7 @@
           <p:cNvPr id="2" name="Title 1">
             <a:extLst>
               <a:ext uri="{FF2B5EF4-FFF2-40B4-BE49-F238E27FC236}">
-                <a16:creationId xmlns:a16="http://schemas.microsoft.com/office/drawing/2014/main" xmlns="" id="{9B338BA5-B1BE-4E13-8BA9-85CC10DEA24C}"/>
+                <a16:creationId xmlns:a16="http://schemas.microsoft.com/office/drawing/2014/main" id="{9B338BA5-B1BE-4E13-8BA9-85CC10DEA24C}"/>
               </a:ext>
             </a:extLst>
           </p:cNvPr>
@@ -4445,7 +4448,7 @@
           <p:cNvPr id="3" name="Content Placeholder 2">
             <a:extLst>
               <a:ext uri="{FF2B5EF4-FFF2-40B4-BE49-F238E27FC236}">
-                <a16:creationId xmlns:a16="http://schemas.microsoft.com/office/drawing/2014/main" xmlns="" id="{FC599789-B759-48C1-97AF-52DD1E15F455}"/>
+                <a16:creationId xmlns:a16="http://schemas.microsoft.com/office/drawing/2014/main" id="{FC599789-B759-48C1-97AF-52DD1E15F455}"/>
               </a:ext>
             </a:extLst>
           </p:cNvPr>
@@ -4550,7 +4553,7 @@
           <p:cNvPr id="4" name="Picture 3">
             <a:extLst>
               <a:ext uri="{FF2B5EF4-FFF2-40B4-BE49-F238E27FC236}">
-                <a16:creationId xmlns:a16="http://schemas.microsoft.com/office/drawing/2014/main" xmlns="" id="{97E88207-4269-4F27-9B87-394540FB711A}"/>
+                <a16:creationId xmlns:a16="http://schemas.microsoft.com/office/drawing/2014/main" id="{97E88207-4269-4F27-9B87-394540FB711A}"/>
               </a:ext>
             </a:extLst>
           </p:cNvPr>
@@ -4610,7 +4613,7 @@
           <p:cNvPr id="2" name="Title 1">
             <a:extLst>
               <a:ext uri="{FF2B5EF4-FFF2-40B4-BE49-F238E27FC236}">
-                <a16:creationId xmlns:a16="http://schemas.microsoft.com/office/drawing/2014/main" xmlns="" id="{6A64EFE6-F736-4AF7-AB0A-45150A649A56}"/>
+                <a16:creationId xmlns:a16="http://schemas.microsoft.com/office/drawing/2014/main" id="{6A64EFE6-F736-4AF7-AB0A-45150A649A56}"/>
               </a:ext>
             </a:extLst>
           </p:cNvPr>
@@ -4638,7 +4641,7 @@
           <p:cNvPr id="3" name="Content Placeholder 2">
             <a:extLst>
               <a:ext uri="{FF2B5EF4-FFF2-40B4-BE49-F238E27FC236}">
-                <a16:creationId xmlns:a16="http://schemas.microsoft.com/office/drawing/2014/main" xmlns="" id="{35B1CF83-AD03-4DD4-B20F-526AA16B098C}"/>
+                <a16:creationId xmlns:a16="http://schemas.microsoft.com/office/drawing/2014/main" id="{35B1CF83-AD03-4DD4-B20F-526AA16B098C}"/>
               </a:ext>
             </a:extLst>
           </p:cNvPr>
@@ -4794,7 +4797,7 @@
           <p:cNvPr id="4" name="Picture 3">
             <a:extLst>
               <a:ext uri="{FF2B5EF4-FFF2-40B4-BE49-F238E27FC236}">
-                <a16:creationId xmlns:a16="http://schemas.microsoft.com/office/drawing/2014/main" xmlns="" id="{44795652-A71D-4C4E-9EE8-9AE3F77FA049}"/>
+                <a16:creationId xmlns:a16="http://schemas.microsoft.com/office/drawing/2014/main" id="{44795652-A71D-4C4E-9EE8-9AE3F77FA049}"/>
               </a:ext>
             </a:extLst>
           </p:cNvPr>
@@ -4854,7 +4857,7 @@
           <p:cNvPr id="2" name="Title 1">
             <a:extLst>
               <a:ext uri="{FF2B5EF4-FFF2-40B4-BE49-F238E27FC236}">
-                <a16:creationId xmlns:a16="http://schemas.microsoft.com/office/drawing/2014/main" xmlns="" id="{71B3EAE6-E92F-4D6A-880E-A68DDDE604F3}"/>
+                <a16:creationId xmlns:a16="http://schemas.microsoft.com/office/drawing/2014/main" id="{71B3EAE6-E92F-4D6A-880E-A68DDDE604F3}"/>
               </a:ext>
             </a:extLst>
           </p:cNvPr>
@@ -4886,7 +4889,7 @@
           <p:cNvPr id="3" name="Content Placeholder 2">
             <a:extLst>
               <a:ext uri="{FF2B5EF4-FFF2-40B4-BE49-F238E27FC236}">
-                <a16:creationId xmlns:a16="http://schemas.microsoft.com/office/drawing/2014/main" xmlns="" id="{660E8B83-C2C5-4743-BFF9-46C10D23FAE9}"/>
+                <a16:creationId xmlns:a16="http://schemas.microsoft.com/office/drawing/2014/main" id="{660E8B83-C2C5-4743-BFF9-46C10D23FAE9}"/>
               </a:ext>
             </a:extLst>
           </p:cNvPr>
@@ -5028,7 +5031,7 @@
           <p:cNvPr id="2" name="Title 1">
             <a:extLst>
               <a:ext uri="{FF2B5EF4-FFF2-40B4-BE49-F238E27FC236}">
-                <a16:creationId xmlns:a16="http://schemas.microsoft.com/office/drawing/2014/main" xmlns="" id="{69622DA5-1F62-44EE-BBFF-43A2A46A37E5}"/>
+                <a16:creationId xmlns:a16="http://schemas.microsoft.com/office/drawing/2014/main" id="{69622DA5-1F62-44EE-BBFF-43A2A46A37E5}"/>
               </a:ext>
             </a:extLst>
           </p:cNvPr>
@@ -5056,7 +5059,7 @@
           <p:cNvPr id="3" name="Content Placeholder 2">
             <a:extLst>
               <a:ext uri="{FF2B5EF4-FFF2-40B4-BE49-F238E27FC236}">
-                <a16:creationId xmlns:a16="http://schemas.microsoft.com/office/drawing/2014/main" xmlns="" id="{12ED7BED-90AF-4163-A7C2-21C967ECD37E}"/>
+                <a16:creationId xmlns:a16="http://schemas.microsoft.com/office/drawing/2014/main" id="{12ED7BED-90AF-4163-A7C2-21C967ECD37E}"/>
               </a:ext>
             </a:extLst>
           </p:cNvPr>
@@ -5437,7 +5440,7 @@
           <p:cNvPr id="2" name="Title 1">
             <a:extLst>
               <a:ext uri="{FF2B5EF4-FFF2-40B4-BE49-F238E27FC236}">
-                <a16:creationId xmlns:a16="http://schemas.microsoft.com/office/drawing/2014/main" xmlns="" id="{0A3B81F4-D727-40D9-AF9E-49B8004DF3B6}"/>
+                <a16:creationId xmlns:a16="http://schemas.microsoft.com/office/drawing/2014/main" id="{0A3B81F4-D727-40D9-AF9E-49B8004DF3B6}"/>
               </a:ext>
             </a:extLst>
           </p:cNvPr>
@@ -5465,7 +5468,7 @@
           <p:cNvPr id="3" name="Content Placeholder 2">
             <a:extLst>
               <a:ext uri="{FF2B5EF4-FFF2-40B4-BE49-F238E27FC236}">
-                <a16:creationId xmlns:a16="http://schemas.microsoft.com/office/drawing/2014/main" xmlns="" id="{CE8EF288-265F-49E4-BC4F-F912D3CD04D9}"/>
+                <a16:creationId xmlns:a16="http://schemas.microsoft.com/office/drawing/2014/main" id="{CE8EF288-265F-49E4-BC4F-F912D3CD04D9}"/>
               </a:ext>
             </a:extLst>
           </p:cNvPr>
@@ -5704,7 +5707,7 @@
           <p:cNvPr id="4" name="Picture 3">
             <a:extLst>
               <a:ext uri="{FF2B5EF4-FFF2-40B4-BE49-F238E27FC236}">
-                <a16:creationId xmlns:a16="http://schemas.microsoft.com/office/drawing/2014/main" xmlns="" id="{748C8423-BCD8-491C-A3ED-FBE8A361CFCF}"/>
+                <a16:creationId xmlns:a16="http://schemas.microsoft.com/office/drawing/2014/main" id="{748C8423-BCD8-491C-A3ED-FBE8A361CFCF}"/>
               </a:ext>
             </a:extLst>
           </p:cNvPr>
@@ -5764,7 +5767,7 @@
           <p:cNvPr id="2" name="Title 1">
             <a:extLst>
               <a:ext uri="{FF2B5EF4-FFF2-40B4-BE49-F238E27FC236}">
-                <a16:creationId xmlns:a16="http://schemas.microsoft.com/office/drawing/2014/main" xmlns="" id="{D8D89EF4-269A-46A9-A7BD-85C639FDB694}"/>
+                <a16:creationId xmlns:a16="http://schemas.microsoft.com/office/drawing/2014/main" id="{D8D89EF4-269A-46A9-A7BD-85C639FDB694}"/>
               </a:ext>
             </a:extLst>
           </p:cNvPr>
@@ -5792,7 +5795,7 @@
           <p:cNvPr id="3" name="Content Placeholder 2">
             <a:extLst>
               <a:ext uri="{FF2B5EF4-FFF2-40B4-BE49-F238E27FC236}">
-                <a16:creationId xmlns:a16="http://schemas.microsoft.com/office/drawing/2014/main" xmlns="" id="{0B12D61C-D7CA-44DA-A969-5704AB9F3595}"/>
+                <a16:creationId xmlns:a16="http://schemas.microsoft.com/office/drawing/2014/main" id="{0B12D61C-D7CA-44DA-A969-5704AB9F3595}"/>
               </a:ext>
             </a:extLst>
           </p:cNvPr>
@@ -6317,7 +6320,7 @@
           <p:cNvPr id="2" name="Title 1">
             <a:extLst>
               <a:ext uri="{FF2B5EF4-FFF2-40B4-BE49-F238E27FC236}">
-                <a16:creationId xmlns:a16="http://schemas.microsoft.com/office/drawing/2014/main" xmlns="" id="{D1D6930C-657C-449D-B34B-EB905240E38D}"/>
+                <a16:creationId xmlns:a16="http://schemas.microsoft.com/office/drawing/2014/main" id="{D1D6930C-657C-449D-B34B-EB905240E38D}"/>
               </a:ext>
             </a:extLst>
           </p:cNvPr>
@@ -6345,7 +6348,7 @@
           <p:cNvPr id="3" name="Content Placeholder 2">
             <a:extLst>
               <a:ext uri="{FF2B5EF4-FFF2-40B4-BE49-F238E27FC236}">
-                <a16:creationId xmlns:a16="http://schemas.microsoft.com/office/drawing/2014/main" xmlns="" id="{B37CE59B-4367-4E0F-8C72-B7BB5D21EA44}"/>
+                <a16:creationId xmlns:a16="http://schemas.microsoft.com/office/drawing/2014/main" id="{B37CE59B-4367-4E0F-8C72-B7BB5D21EA44}"/>
               </a:ext>
             </a:extLst>
           </p:cNvPr>
@@ -6544,7 +6547,7 @@
           <p:cNvPr id="4" name="Picture 3">
             <a:extLst>
               <a:ext uri="{FF2B5EF4-FFF2-40B4-BE49-F238E27FC236}">
-                <a16:creationId xmlns:a16="http://schemas.microsoft.com/office/drawing/2014/main" xmlns="" id="{59066CD2-3D44-4CB4-A2B7-0C1E1EB77575}"/>
+                <a16:creationId xmlns:a16="http://schemas.microsoft.com/office/drawing/2014/main" id="{59066CD2-3D44-4CB4-A2B7-0C1E1EB77575}"/>
               </a:ext>
             </a:extLst>
           </p:cNvPr>
@@ -6604,7 +6607,7 @@
           <p:cNvPr id="2" name="Title 1">
             <a:extLst>
               <a:ext uri="{FF2B5EF4-FFF2-40B4-BE49-F238E27FC236}">
-                <a16:creationId xmlns:a16="http://schemas.microsoft.com/office/drawing/2014/main" xmlns="" id="{0906278B-715F-40E6-96B4-AABCD817E860}"/>
+                <a16:creationId xmlns:a16="http://schemas.microsoft.com/office/drawing/2014/main" id="{0906278B-715F-40E6-96B4-AABCD817E860}"/>
               </a:ext>
             </a:extLst>
           </p:cNvPr>
@@ -6636,7 +6639,7 @@
           <p:cNvPr id="3" name="Content Placeholder 2">
             <a:extLst>
               <a:ext uri="{FF2B5EF4-FFF2-40B4-BE49-F238E27FC236}">
-                <a16:creationId xmlns:a16="http://schemas.microsoft.com/office/drawing/2014/main" xmlns="" id="{B7CCAC59-A944-4E9D-B0E0-DBE20BA2D29F}"/>
+                <a16:creationId xmlns:a16="http://schemas.microsoft.com/office/drawing/2014/main" id="{B7CCAC59-A944-4E9D-B0E0-DBE20BA2D29F}"/>
               </a:ext>
             </a:extLst>
           </p:cNvPr>
@@ -6807,7 +6810,7 @@
           <p:cNvPr id="4" name="Picture 3">
             <a:extLst>
               <a:ext uri="{FF2B5EF4-FFF2-40B4-BE49-F238E27FC236}">
-                <a16:creationId xmlns:a16="http://schemas.microsoft.com/office/drawing/2014/main" xmlns="" id="{E250073F-AFE2-4C19-8CF7-65F45870CA0B}"/>
+                <a16:creationId xmlns:a16="http://schemas.microsoft.com/office/drawing/2014/main" id="{E250073F-AFE2-4C19-8CF7-65F45870CA0B}"/>
               </a:ext>
             </a:extLst>
           </p:cNvPr>
@@ -6867,7 +6870,7 @@
           <p:cNvPr id="2" name="Title 1">
             <a:extLst>
               <a:ext uri="{FF2B5EF4-FFF2-40B4-BE49-F238E27FC236}">
-                <a16:creationId xmlns:a16="http://schemas.microsoft.com/office/drawing/2014/main" xmlns="" id="{820A6B61-52E6-454C-A929-A9403A22E27A}"/>
+                <a16:creationId xmlns:a16="http://schemas.microsoft.com/office/drawing/2014/main" id="{820A6B61-52E6-454C-A929-A9403A22E27A}"/>
               </a:ext>
             </a:extLst>
           </p:cNvPr>
@@ -6899,7 +6902,7 @@
           <p:cNvPr id="3" name="Content Placeholder 2">
             <a:extLst>
               <a:ext uri="{FF2B5EF4-FFF2-40B4-BE49-F238E27FC236}">
-                <a16:creationId xmlns:a16="http://schemas.microsoft.com/office/drawing/2014/main" xmlns="" id="{1E2165CB-48BD-485E-B57E-D228A32AF475}"/>
+                <a16:creationId xmlns:a16="http://schemas.microsoft.com/office/drawing/2014/main" id="{1E2165CB-48BD-485E-B57E-D228A32AF475}"/>
               </a:ext>
             </a:extLst>
           </p:cNvPr>
@@ -7267,7 +7270,7 @@
           <p:cNvPr id="4" name="Picture 3">
             <a:extLst>
               <a:ext uri="{FF2B5EF4-FFF2-40B4-BE49-F238E27FC236}">
-                <a16:creationId xmlns:a16="http://schemas.microsoft.com/office/drawing/2014/main" xmlns="" id="{7BB13B3A-2F66-4E6F-AC90-2AAB39A0037E}"/>
+                <a16:creationId xmlns:a16="http://schemas.microsoft.com/office/drawing/2014/main" id="{7BB13B3A-2F66-4E6F-AC90-2AAB39A0037E}"/>
               </a:ext>
             </a:extLst>
           </p:cNvPr>
@@ -7327,7 +7330,7 @@
           <p:cNvPr id="2" name="Title 1">
             <a:extLst>
               <a:ext uri="{FF2B5EF4-FFF2-40B4-BE49-F238E27FC236}">
-                <a16:creationId xmlns:a16="http://schemas.microsoft.com/office/drawing/2014/main" xmlns="" id="{B95B8F5C-7200-4F20-A589-14B3C3FB5AC4}"/>
+                <a16:creationId xmlns:a16="http://schemas.microsoft.com/office/drawing/2014/main" id="{B95B8F5C-7200-4F20-A589-14B3C3FB5AC4}"/>
               </a:ext>
             </a:extLst>
           </p:cNvPr>
@@ -7364,7 +7367,7 @@
           <p:cNvPr id="3" name="Content Placeholder 2">
             <a:extLst>
               <a:ext uri="{FF2B5EF4-FFF2-40B4-BE49-F238E27FC236}">
-                <a16:creationId xmlns:a16="http://schemas.microsoft.com/office/drawing/2014/main" xmlns="" id="{082257B7-1AE8-4976-876F-0B1CAA8B49DC}"/>
+                <a16:creationId xmlns:a16="http://schemas.microsoft.com/office/drawing/2014/main" id="{082257B7-1AE8-4976-876F-0B1CAA8B49DC}"/>
               </a:ext>
             </a:extLst>
           </p:cNvPr>
@@ -7696,7 +7699,7 @@
           <p:cNvPr id="2" name="Title 1">
             <a:extLst>
               <a:ext uri="{FF2B5EF4-FFF2-40B4-BE49-F238E27FC236}">
-                <a16:creationId xmlns:a16="http://schemas.microsoft.com/office/drawing/2014/main" xmlns="" id="{DA88EBD1-1F49-4BA6-B6E8-619E2D06CBBD}"/>
+                <a16:creationId xmlns:a16="http://schemas.microsoft.com/office/drawing/2014/main" id="{DA88EBD1-1F49-4BA6-B6E8-619E2D06CBBD}"/>
               </a:ext>
             </a:extLst>
           </p:cNvPr>
@@ -7724,7 +7727,7 @@
           <p:cNvPr id="3" name="Content Placeholder 2">
             <a:extLst>
               <a:ext uri="{FF2B5EF4-FFF2-40B4-BE49-F238E27FC236}">
-                <a16:creationId xmlns:a16="http://schemas.microsoft.com/office/drawing/2014/main" xmlns="" id="{A27A643B-FC17-49CF-B974-056B4326786E}"/>
+                <a16:creationId xmlns:a16="http://schemas.microsoft.com/office/drawing/2014/main" id="{A27A643B-FC17-49CF-B974-056B4326786E}"/>
               </a:ext>
             </a:extLst>
           </p:cNvPr>
@@ -7946,7 +7949,7 @@
           <p:cNvPr id="4" name="Picture 3">
             <a:extLst>
               <a:ext uri="{FF2B5EF4-FFF2-40B4-BE49-F238E27FC236}">
-                <a16:creationId xmlns:a16="http://schemas.microsoft.com/office/drawing/2014/main" xmlns="" id="{3FC13C5E-CA78-4231-9769-FD294CA18F72}"/>
+                <a16:creationId xmlns:a16="http://schemas.microsoft.com/office/drawing/2014/main" id="{3FC13C5E-CA78-4231-9769-FD294CA18F72}"/>
               </a:ext>
             </a:extLst>
           </p:cNvPr>
@@ -8006,7 +8009,7 @@
           <p:cNvPr id="2" name="Title 1">
             <a:extLst>
               <a:ext uri="{FF2B5EF4-FFF2-40B4-BE49-F238E27FC236}">
-                <a16:creationId xmlns:a16="http://schemas.microsoft.com/office/drawing/2014/main" xmlns="" id="{9E3A28AF-8616-4DA9-BA67-3EE28B366907}"/>
+                <a16:creationId xmlns:a16="http://schemas.microsoft.com/office/drawing/2014/main" id="{9E3A28AF-8616-4DA9-BA67-3EE28B366907}"/>
               </a:ext>
             </a:extLst>
           </p:cNvPr>
@@ -8034,7 +8037,7 @@
           <p:cNvPr id="3" name="Content Placeholder 2">
             <a:extLst>
               <a:ext uri="{FF2B5EF4-FFF2-40B4-BE49-F238E27FC236}">
-                <a16:creationId xmlns:a16="http://schemas.microsoft.com/office/drawing/2014/main" xmlns="" id="{5497F37E-F7D4-4510-878B-B9620381D1C4}"/>
+                <a16:creationId xmlns:a16="http://schemas.microsoft.com/office/drawing/2014/main" id="{5497F37E-F7D4-4510-878B-B9620381D1C4}"/>
               </a:ext>
             </a:extLst>
           </p:cNvPr>
@@ -8142,7 +8145,7 @@
           <p:cNvPr id="2" name="Title 1">
             <a:extLst>
               <a:ext uri="{FF2B5EF4-FFF2-40B4-BE49-F238E27FC236}">
-                <a16:creationId xmlns:a16="http://schemas.microsoft.com/office/drawing/2014/main" xmlns="" id="{50885E28-54E8-491F-B17E-A52F3B7F1523}"/>
+                <a16:creationId xmlns:a16="http://schemas.microsoft.com/office/drawing/2014/main" id="{2C067CD8-2D9C-43C7-B31A-687F4436B345}"/>
               </a:ext>
             </a:extLst>
           </p:cNvPr>
@@ -8159,8 +8162,12 @@
           <a:lstStyle/>
           <a:p>
             <a:r>
-              <a:rPr lang="en-US" dirty="0"/>
-              <a:t>daftar PUSTAKA</a:t>
+              <a:rPr lang="en-US" dirty="0" err="1"/>
+              <a:t>Jupyter</a:t>
+            </a:r>
+            <a:r>
+              <a:rPr lang="en-US" dirty="0"/>
+              <a:t> Pada Python</a:t>
             </a:r>
           </a:p>
         </p:txBody>
@@ -8170,7 +8177,961 @@
           <p:cNvPr id="3" name="Content Placeholder 2">
             <a:extLst>
               <a:ext uri="{FF2B5EF4-FFF2-40B4-BE49-F238E27FC236}">
-                <a16:creationId xmlns:a16="http://schemas.microsoft.com/office/drawing/2014/main" xmlns="" id="{537CB976-9A37-48BA-B3B7-47CDB98CC564}"/>
+                <a16:creationId xmlns:a16="http://schemas.microsoft.com/office/drawing/2014/main" id="{A5B71FA3-D72C-4AFC-8370-58204ADDFCAF}"/>
+              </a:ext>
+            </a:extLst>
+          </p:cNvPr>
+          <p:cNvSpPr>
+            <a:spLocks noGrp="1"/>
+          </p:cNvSpPr>
+          <p:nvPr>
+            <p:ph idx="1"/>
+          </p:nvPr>
+        </p:nvSpPr>
+        <p:spPr/>
+        <p:txBody>
+          <a:bodyPr/>
+          <a:lstStyle/>
+          <a:p>
+            <a:r>
+              <a:rPr lang="en-US" sz="2400" dirty="0" err="1"/>
+              <a:t>Jupyter</a:t>
+            </a:r>
+            <a:r>
+              <a:rPr lang="en-US" sz="2400" dirty="0"/>
+              <a:t> Notebook </a:t>
+            </a:r>
+            <a:r>
+              <a:rPr lang="en-US" sz="2400" dirty="0" err="1"/>
+              <a:t>adalah</a:t>
+            </a:r>
+            <a:r>
+              <a:rPr lang="en-US" sz="2400" dirty="0"/>
+              <a:t> </a:t>
+            </a:r>
+            <a:r>
+              <a:rPr lang="en-US" sz="2400" dirty="0" err="1"/>
+              <a:t>sebuah</a:t>
+            </a:r>
+            <a:r>
+              <a:rPr lang="en-US" sz="2400" dirty="0"/>
+              <a:t> </a:t>
+            </a:r>
+            <a:r>
+              <a:rPr lang="en-US" sz="2400" dirty="0" err="1"/>
+              <a:t>aplikasi</a:t>
+            </a:r>
+            <a:r>
+              <a:rPr lang="en-US" sz="2400" dirty="0"/>
+              <a:t> open source yang </a:t>
+            </a:r>
+            <a:r>
+              <a:rPr lang="en-US" sz="2400" dirty="0" err="1"/>
+              <a:t>fungsinya</a:t>
+            </a:r>
+            <a:r>
+              <a:rPr lang="en-US" sz="2400" dirty="0"/>
+              <a:t> </a:t>
+            </a:r>
+            <a:r>
+              <a:rPr lang="en-US" sz="2400" dirty="0" err="1"/>
+              <a:t>untuk</a:t>
+            </a:r>
+            <a:r>
+              <a:rPr lang="en-US" sz="2400" dirty="0"/>
+              <a:t> </a:t>
+            </a:r>
+            <a:r>
+              <a:rPr lang="en-US" sz="2400" dirty="0" err="1"/>
+              <a:t>membuat</a:t>
+            </a:r>
+            <a:r>
+              <a:rPr lang="en-US" sz="2400" dirty="0"/>
+              <a:t> dan </a:t>
+            </a:r>
+            <a:r>
+              <a:rPr lang="en-US" sz="2400" dirty="0" err="1"/>
+              <a:t>berbagi</a:t>
+            </a:r>
+            <a:r>
+              <a:rPr lang="en-US" sz="2400" dirty="0"/>
+              <a:t> </a:t>
+            </a:r>
+            <a:r>
+              <a:rPr lang="en-US" sz="2400" dirty="0" err="1"/>
+              <a:t>dokumen</a:t>
+            </a:r>
+            <a:r>
+              <a:rPr lang="en-US" sz="2400" dirty="0"/>
+              <a:t> yang </a:t>
+            </a:r>
+            <a:r>
+              <a:rPr lang="en-US" sz="2400" dirty="0" err="1"/>
+              <a:t>berisi</a:t>
+            </a:r>
+            <a:r>
+              <a:rPr lang="en-US" sz="2400" dirty="0"/>
+              <a:t> live code, </a:t>
+            </a:r>
+            <a:r>
+              <a:rPr lang="en-US" sz="2400" dirty="0" err="1"/>
+              <a:t>persamaan</a:t>
+            </a:r>
+            <a:r>
+              <a:rPr lang="en-US" sz="2400" dirty="0"/>
+              <a:t>, </a:t>
+            </a:r>
+            <a:r>
+              <a:rPr lang="en-US" sz="2400" dirty="0" err="1"/>
+              <a:t>visualisasi</a:t>
+            </a:r>
+            <a:r>
+              <a:rPr lang="en-US" sz="2400" dirty="0"/>
+              <a:t> dan </a:t>
+            </a:r>
+            <a:r>
+              <a:rPr lang="en-US" sz="2400" dirty="0" err="1"/>
+              <a:t>teks</a:t>
+            </a:r>
+            <a:r>
+              <a:rPr lang="en-US" sz="2400" dirty="0"/>
+              <a:t> </a:t>
+            </a:r>
+            <a:r>
+              <a:rPr lang="en-US" sz="2400" dirty="0" err="1"/>
+              <a:t>penjelasan</a:t>
+            </a:r>
+            <a:r>
+              <a:rPr lang="en-US" sz="2400" dirty="0"/>
+              <a:t>. </a:t>
+            </a:r>
+            <a:r>
+              <a:rPr lang="en-US" sz="2400" dirty="0" err="1"/>
+              <a:t>Untuk</a:t>
+            </a:r>
+            <a:r>
+              <a:rPr lang="en-US" sz="2400" dirty="0"/>
+              <a:t> </a:t>
+            </a:r>
+            <a:r>
+              <a:rPr lang="en-US" sz="2400" dirty="0" err="1"/>
+              <a:t>menginstall</a:t>
+            </a:r>
+            <a:r>
+              <a:rPr lang="en-US" sz="2400" dirty="0"/>
+              <a:t> </a:t>
+            </a:r>
+            <a:r>
+              <a:rPr lang="en-US" sz="2400" dirty="0" err="1"/>
+              <a:t>Jupyter</a:t>
+            </a:r>
+            <a:r>
+              <a:rPr lang="en-US" sz="2400" dirty="0"/>
+              <a:t>, </a:t>
+            </a:r>
+            <a:r>
+              <a:rPr lang="en-US" sz="2400" dirty="0" err="1"/>
+              <a:t>kita</a:t>
+            </a:r>
+            <a:r>
+              <a:rPr lang="en-US" sz="2400" dirty="0"/>
+              <a:t> </a:t>
+            </a:r>
+            <a:r>
+              <a:rPr lang="en-US" sz="2400" dirty="0" err="1"/>
+              <a:t>bisa</a:t>
+            </a:r>
+            <a:r>
+              <a:rPr lang="en-US" sz="2400" dirty="0"/>
+              <a:t> </a:t>
+            </a:r>
+            <a:r>
+              <a:rPr lang="en-US" sz="2400" dirty="0" err="1"/>
+              <a:t>menginstall</a:t>
+            </a:r>
+            <a:r>
+              <a:rPr lang="en-US" sz="2400" dirty="0"/>
+              <a:t> Anaconda </a:t>
+            </a:r>
+            <a:r>
+              <a:rPr lang="en-US" sz="2400" dirty="0" err="1"/>
+              <a:t>karena</a:t>
+            </a:r>
+            <a:r>
+              <a:rPr lang="en-US" sz="2400" dirty="0"/>
+              <a:t> di </a:t>
+            </a:r>
+            <a:r>
+              <a:rPr lang="en-US" sz="2400" dirty="0" err="1"/>
+              <a:t>dalamnya</a:t>
+            </a:r>
+            <a:r>
+              <a:rPr lang="en-US" sz="2400" dirty="0"/>
+              <a:t> </a:t>
+            </a:r>
+            <a:r>
+              <a:rPr lang="en-US" sz="2400" dirty="0" err="1"/>
+              <a:t>terdapat</a:t>
+            </a:r>
+            <a:r>
+              <a:rPr lang="en-US" sz="2400" dirty="0"/>
+              <a:t> </a:t>
+            </a:r>
+            <a:r>
+              <a:rPr lang="en-US" sz="2400" dirty="0" err="1"/>
+              <a:t>Jupyter</a:t>
+            </a:r>
+            <a:r>
+              <a:rPr lang="en-US" sz="2400" dirty="0"/>
+              <a:t>. Setelah </a:t>
+            </a:r>
+            <a:r>
+              <a:rPr lang="en-US" sz="2400" dirty="0" err="1"/>
+              <a:t>menginstall</a:t>
+            </a:r>
+            <a:r>
+              <a:rPr lang="en-US" sz="2400" dirty="0"/>
+              <a:t> Anaconda </a:t>
+            </a:r>
+            <a:r>
+              <a:rPr lang="en-US" sz="2400" dirty="0" err="1"/>
+              <a:t>kita</a:t>
+            </a:r>
+            <a:r>
+              <a:rPr lang="en-US" sz="2400" dirty="0"/>
+              <a:t> </a:t>
+            </a:r>
+            <a:r>
+              <a:rPr lang="en-US" sz="2400" dirty="0" err="1"/>
+              <a:t>dapat</a:t>
+            </a:r>
+            <a:r>
+              <a:rPr lang="en-US" sz="2400" dirty="0"/>
+              <a:t> </a:t>
+            </a:r>
+            <a:r>
+              <a:rPr lang="en-US" sz="2400" dirty="0" err="1"/>
+              <a:t>membuka</a:t>
+            </a:r>
+            <a:r>
+              <a:rPr lang="en-US" sz="2400" dirty="0"/>
+              <a:t> </a:t>
+            </a:r>
+            <a:r>
+              <a:rPr lang="en-US" sz="2400" dirty="0" err="1"/>
+              <a:t>Jupyter</a:t>
+            </a:r>
+            <a:r>
+              <a:rPr lang="en-US" sz="2400" dirty="0"/>
+              <a:t> Notebook </a:t>
+            </a:r>
+            <a:r>
+              <a:rPr lang="en-US" sz="2400" dirty="0" err="1"/>
+              <a:t>dengan</a:t>
+            </a:r>
+            <a:r>
+              <a:rPr lang="en-US" sz="2400" dirty="0"/>
+              <a:t> 2 </a:t>
+            </a:r>
+            <a:r>
+              <a:rPr lang="en-US" sz="2400" dirty="0" err="1"/>
+              <a:t>cara</a:t>
+            </a:r>
+            <a:r>
+              <a:rPr lang="en-US" sz="2400" dirty="0"/>
+              <a:t> </a:t>
+            </a:r>
+            <a:r>
+              <a:rPr lang="en-US" sz="2400" dirty="0" err="1"/>
+              <a:t>yaitu</a:t>
+            </a:r>
+            <a:r>
+              <a:rPr lang="en-US" sz="2400" dirty="0"/>
+              <a:t> </a:t>
+            </a:r>
+            <a:r>
+              <a:rPr lang="en-US" sz="2400" dirty="0" err="1"/>
+              <a:t>langsung</a:t>
+            </a:r>
+            <a:r>
+              <a:rPr lang="en-US" sz="2400" dirty="0"/>
+              <a:t> </a:t>
+            </a:r>
+            <a:r>
+              <a:rPr lang="en-US" sz="2400" dirty="0" err="1"/>
+              <a:t>mengklik</a:t>
+            </a:r>
+            <a:r>
+              <a:rPr lang="en-US" sz="2400" dirty="0"/>
+              <a:t> </a:t>
+            </a:r>
+            <a:r>
+              <a:rPr lang="en-US" sz="2400" dirty="0" err="1"/>
+              <a:t>Jupyter</a:t>
+            </a:r>
+            <a:r>
+              <a:rPr lang="en-US" sz="2400" dirty="0"/>
+              <a:t> Notebook pada start  </a:t>
+            </a:r>
+            <a:r>
+              <a:rPr lang="en-US" sz="2400" dirty="0" err="1"/>
+              <a:t>atau</a:t>
+            </a:r>
+            <a:r>
+              <a:rPr lang="en-US" sz="2400" dirty="0"/>
+              <a:t> </a:t>
+            </a:r>
+            <a:r>
+              <a:rPr lang="en-US" sz="2400" dirty="0" err="1"/>
+              <a:t>dengan</a:t>
+            </a:r>
+            <a:r>
+              <a:rPr lang="en-US" sz="2400" dirty="0"/>
+              <a:t> </a:t>
+            </a:r>
+            <a:r>
+              <a:rPr lang="en-US" sz="2400" dirty="0" err="1"/>
+              <a:t>membuka</a:t>
+            </a:r>
+            <a:r>
+              <a:rPr lang="en-US" sz="2400" dirty="0"/>
+              <a:t> Anaconda Prompt pada start </a:t>
+            </a:r>
+            <a:r>
+              <a:rPr lang="en-US" sz="2400" dirty="0" err="1"/>
+              <a:t>lalu</a:t>
+            </a:r>
+            <a:r>
+              <a:rPr lang="en-US" sz="2400" dirty="0"/>
+              <a:t> </a:t>
+            </a:r>
+            <a:r>
+              <a:rPr lang="en-US" sz="2400" dirty="0" err="1"/>
+              <a:t>mengetikkan</a:t>
+            </a:r>
+            <a:r>
+              <a:rPr lang="en-US" sz="2400" dirty="0"/>
+              <a:t> </a:t>
+            </a:r>
+            <a:r>
+              <a:rPr lang="en-US" sz="2400" dirty="0" err="1"/>
+              <a:t>Jupyter</a:t>
+            </a:r>
+            <a:r>
+              <a:rPr lang="en-US" sz="2400" dirty="0"/>
+              <a:t> Notebook. </a:t>
+            </a:r>
+            <a:r>
+              <a:rPr lang="en-US" sz="2400" dirty="0" err="1"/>
+              <a:t>Maka</a:t>
+            </a:r>
+            <a:r>
+              <a:rPr lang="en-US" sz="2400" dirty="0"/>
+              <a:t> </a:t>
+            </a:r>
+            <a:r>
+              <a:rPr lang="en-US" sz="2400" dirty="0" err="1"/>
+              <a:t>Jupyter</a:t>
+            </a:r>
+            <a:r>
+              <a:rPr lang="en-US" sz="2400" dirty="0"/>
+              <a:t> Notebook </a:t>
+            </a:r>
+            <a:r>
+              <a:rPr lang="en-US" sz="2400" dirty="0" err="1"/>
+              <a:t>akan</a:t>
+            </a:r>
+            <a:r>
+              <a:rPr lang="en-US" sz="2400" dirty="0"/>
+              <a:t> </a:t>
+            </a:r>
+            <a:r>
+              <a:rPr lang="en-US" sz="2400" dirty="0" err="1"/>
+              <a:t>terbuka</a:t>
+            </a:r>
+            <a:r>
+              <a:rPr lang="en-US" sz="2400" dirty="0"/>
+              <a:t> pada default browser </a:t>
+            </a:r>
+            <a:r>
+              <a:rPr lang="en-US" sz="2400" dirty="0" err="1"/>
+              <a:t>kita</a:t>
+            </a:r>
+            <a:endParaRPr lang="en-US" dirty="0"/>
+          </a:p>
+        </p:txBody>
+      </p:sp>
+    </p:spTree>
+    <p:extLst>
+      <p:ext uri="{BB962C8B-B14F-4D97-AF65-F5344CB8AC3E}">
+        <p14:creationId xmlns:p14="http://schemas.microsoft.com/office/powerpoint/2010/main" val="1036774586"/>
+      </p:ext>
+    </p:extLst>
+  </p:cSld>
+  <p:clrMapOvr>
+    <a:masterClrMapping/>
+  </p:clrMapOvr>
+</p:sld>
+</file>
+
+<file path=ppt/slides/slide27.xml><?xml version="1.0" encoding="utf-8"?>
+<p:sld xmlns:a="http://schemas.openxmlformats.org/drawingml/2006/main" xmlns:r="http://schemas.openxmlformats.org/officeDocument/2006/relationships" xmlns:p="http://schemas.openxmlformats.org/presentationml/2006/main">
+  <p:cSld>
+    <p:spTree>
+      <p:nvGrpSpPr>
+        <p:cNvPr id="1" name=""/>
+        <p:cNvGrpSpPr/>
+        <p:nvPr/>
+      </p:nvGrpSpPr>
+      <p:grpSpPr>
+        <a:xfrm>
+          <a:off x="0" y="0"/>
+          <a:ext cx="0" cy="0"/>
+          <a:chOff x="0" y="0"/>
+          <a:chExt cx="0" cy="0"/>
+        </a:xfrm>
+      </p:grpSpPr>
+      <p:sp>
+        <p:nvSpPr>
+          <p:cNvPr id="2" name="Title 1">
+            <a:extLst>
+              <a:ext uri="{FF2B5EF4-FFF2-40B4-BE49-F238E27FC236}">
+                <a16:creationId xmlns:a16="http://schemas.microsoft.com/office/drawing/2014/main" id="{DE7990F7-DE25-475F-A339-1333CBAAB881}"/>
+              </a:ext>
+            </a:extLst>
+          </p:cNvPr>
+          <p:cNvSpPr>
+            <a:spLocks noGrp="1"/>
+          </p:cNvSpPr>
+          <p:nvPr>
+            <p:ph type="title"/>
+          </p:nvPr>
+        </p:nvSpPr>
+        <p:spPr/>
+        <p:txBody>
+          <a:bodyPr/>
+          <a:lstStyle/>
+          <a:p>
+            <a:r>
+              <a:rPr lang="en-US" dirty="0"/>
+              <a:t>Seaborn Pada Python</a:t>
+            </a:r>
+          </a:p>
+        </p:txBody>
+      </p:sp>
+      <p:sp>
+        <p:nvSpPr>
+          <p:cNvPr id="3" name="Content Placeholder 2">
+            <a:extLst>
+              <a:ext uri="{FF2B5EF4-FFF2-40B4-BE49-F238E27FC236}">
+                <a16:creationId xmlns:a16="http://schemas.microsoft.com/office/drawing/2014/main" id="{A9479388-5C96-4AED-8CC8-02FA1D8177CA}"/>
+              </a:ext>
+            </a:extLst>
+          </p:cNvPr>
+          <p:cNvSpPr>
+            <a:spLocks noGrp="1"/>
+          </p:cNvSpPr>
+          <p:nvPr>
+            <p:ph idx="1"/>
+          </p:nvPr>
+        </p:nvSpPr>
+        <p:spPr/>
+        <p:txBody>
+          <a:bodyPr>
+            <a:normAutofit/>
+          </a:bodyPr>
+          <a:lstStyle/>
+          <a:p>
+            <a:pPr marL="0" indent="0">
+              <a:buNone/>
+            </a:pPr>
+            <a:r>
+              <a:rPr lang="en-US" sz="2400" dirty="0"/>
+              <a:t>Seaborn </a:t>
+            </a:r>
+            <a:r>
+              <a:rPr lang="en-US" sz="2400" dirty="0" err="1"/>
+              <a:t>adalah</a:t>
+            </a:r>
+            <a:r>
+              <a:rPr lang="en-US" sz="2400" dirty="0"/>
+              <a:t> </a:t>
+            </a:r>
+            <a:r>
+              <a:rPr lang="en-US" sz="2400" dirty="0" err="1"/>
+              <a:t>perpustakaan</a:t>
+            </a:r>
+            <a:r>
+              <a:rPr lang="en-US" sz="2400" dirty="0"/>
+              <a:t> </a:t>
+            </a:r>
+            <a:r>
+              <a:rPr lang="en-US" sz="2400" dirty="0" err="1"/>
+              <a:t>visualisasi</a:t>
+            </a:r>
+            <a:r>
+              <a:rPr lang="en-US" sz="2400" dirty="0"/>
+              <a:t> data Python </a:t>
+            </a:r>
+            <a:r>
+              <a:rPr lang="en-US" sz="2400" dirty="0" err="1"/>
+              <a:t>berdasarkan</a:t>
+            </a:r>
+            <a:r>
+              <a:rPr lang="en-US" sz="2400" dirty="0"/>
+              <a:t> matplotlib. Seaborn </a:t>
+            </a:r>
+            <a:r>
+              <a:rPr lang="en-US" sz="2400" dirty="0" err="1"/>
+              <a:t>menyediakan</a:t>
+            </a:r>
+            <a:r>
+              <a:rPr lang="en-US" sz="2400" dirty="0"/>
+              <a:t> </a:t>
+            </a:r>
+            <a:r>
+              <a:rPr lang="en-US" sz="2400" dirty="0" err="1"/>
+              <a:t>antarmuka</a:t>
+            </a:r>
+            <a:r>
+              <a:rPr lang="en-US" sz="2400" dirty="0"/>
+              <a:t> </a:t>
+            </a:r>
+            <a:r>
+              <a:rPr lang="en-US" sz="2400" dirty="0" err="1"/>
+              <a:t>tingkat</a:t>
+            </a:r>
+            <a:r>
+              <a:rPr lang="en-US" sz="2400" dirty="0"/>
+              <a:t> </a:t>
+            </a:r>
+            <a:r>
+              <a:rPr lang="en-US" sz="2400" dirty="0" err="1"/>
+              <a:t>tinggi</a:t>
+            </a:r>
+            <a:r>
+              <a:rPr lang="en-US" sz="2400" dirty="0"/>
+              <a:t> </a:t>
+            </a:r>
+            <a:r>
+              <a:rPr lang="en-US" sz="2400" dirty="0" err="1"/>
+              <a:t>untuk</a:t>
+            </a:r>
+            <a:r>
+              <a:rPr lang="en-US" sz="2400" dirty="0"/>
+              <a:t> </a:t>
+            </a:r>
+            <a:r>
+              <a:rPr lang="en-US" sz="2400" dirty="0" err="1"/>
+              <a:t>menggambar</a:t>
+            </a:r>
+            <a:r>
+              <a:rPr lang="en-US" sz="2400" dirty="0"/>
+              <a:t> </a:t>
+            </a:r>
+            <a:r>
+              <a:rPr lang="en-US" sz="2400" dirty="0" err="1"/>
+              <a:t>grafik</a:t>
+            </a:r>
+            <a:r>
+              <a:rPr lang="en-US" sz="2400" dirty="0"/>
+              <a:t> </a:t>
+            </a:r>
+            <a:r>
+              <a:rPr lang="en-US" sz="2400" dirty="0" err="1"/>
+              <a:t>statistik</a:t>
+            </a:r>
+            <a:r>
+              <a:rPr lang="en-US" sz="2400" dirty="0"/>
+              <a:t> yang </a:t>
+            </a:r>
+            <a:r>
+              <a:rPr lang="en-US" sz="2400" dirty="0" err="1"/>
+              <a:t>menarik</a:t>
+            </a:r>
+            <a:r>
+              <a:rPr lang="en-US" sz="2400" dirty="0"/>
+              <a:t> dan </a:t>
+            </a:r>
+            <a:r>
+              <a:rPr lang="en-US" sz="2400" dirty="0" err="1"/>
+              <a:t>informatif</a:t>
+            </a:r>
+            <a:r>
+              <a:rPr lang="en-US" sz="2400" dirty="0"/>
+              <a:t>. Cara install Seaborn </a:t>
+            </a:r>
+            <a:r>
+              <a:rPr lang="en-US" sz="2400" dirty="0" err="1"/>
+              <a:t>cukup</a:t>
+            </a:r>
+            <a:r>
+              <a:rPr lang="en-US" sz="2400" dirty="0"/>
+              <a:t> </a:t>
+            </a:r>
+            <a:r>
+              <a:rPr lang="en-US" sz="2400" dirty="0" err="1"/>
+              <a:t>mudah</a:t>
+            </a:r>
+            <a:r>
+              <a:rPr lang="en-US" sz="2400" dirty="0"/>
+              <a:t>, </a:t>
+            </a:r>
+            <a:r>
+              <a:rPr lang="en-US" sz="2400" dirty="0" err="1"/>
+              <a:t>kita</a:t>
+            </a:r>
+            <a:r>
+              <a:rPr lang="en-US" sz="2400" dirty="0"/>
+              <a:t> </a:t>
+            </a:r>
+            <a:r>
+              <a:rPr lang="en-US" sz="2400" dirty="0" err="1"/>
+              <a:t>dapat</a:t>
+            </a:r>
+            <a:r>
+              <a:rPr lang="en-US" sz="2400" dirty="0"/>
+              <a:t> </a:t>
+            </a:r>
+            <a:r>
+              <a:rPr lang="en-US" sz="2400" dirty="0" err="1"/>
+              <a:t>menginstall-nya</a:t>
+            </a:r>
+            <a:r>
+              <a:rPr lang="en-US" sz="2400" dirty="0"/>
+              <a:t> </a:t>
+            </a:r>
+            <a:r>
+              <a:rPr lang="en-US" sz="2400" dirty="0" err="1"/>
+              <a:t>lewat</a:t>
+            </a:r>
+            <a:r>
+              <a:rPr lang="en-US" sz="2400" dirty="0"/>
+              <a:t> </a:t>
+            </a:r>
+            <a:r>
+              <a:rPr lang="en-US" sz="2400" dirty="0" err="1"/>
+              <a:t>Jupyter</a:t>
+            </a:r>
+            <a:r>
+              <a:rPr lang="en-US" sz="2400" dirty="0"/>
+              <a:t> Notebook </a:t>
+            </a:r>
+            <a:r>
+              <a:rPr lang="en-US" sz="2400" dirty="0" err="1"/>
+              <a:t>dengan</a:t>
+            </a:r>
+            <a:r>
+              <a:rPr lang="en-US" sz="2400" dirty="0"/>
+              <a:t> </a:t>
+            </a:r>
+            <a:r>
+              <a:rPr lang="en-US" sz="2400" dirty="0" err="1"/>
+              <a:t>mengetikkan</a:t>
+            </a:r>
+            <a:r>
+              <a:rPr lang="en-US" sz="2400" dirty="0"/>
+              <a:t> </a:t>
+            </a:r>
+            <a:r>
+              <a:rPr lang="en-US" sz="2400" dirty="0" err="1"/>
+              <a:t>sintaks</a:t>
+            </a:r>
+            <a:r>
+              <a:rPr lang="en-US" sz="2400" dirty="0"/>
+              <a:t> </a:t>
+            </a:r>
+            <a:r>
+              <a:rPr lang="en-US" sz="2400" dirty="0" err="1"/>
+              <a:t>berikut</a:t>
+            </a:r>
+            <a:r>
+              <a:rPr lang="en-US" sz="2400" dirty="0"/>
+              <a:t>.</a:t>
+            </a:r>
+          </a:p>
+          <a:p>
+            <a:pPr marL="0" indent="0">
+              <a:buNone/>
+            </a:pPr>
+            <a:r>
+              <a:rPr lang="en-US" sz="2400" dirty="0" err="1"/>
+              <a:t>Jika</a:t>
+            </a:r>
+            <a:r>
+              <a:rPr lang="en-US" sz="2400" dirty="0"/>
+              <a:t> </a:t>
+            </a:r>
+            <a:r>
+              <a:rPr lang="en-US" sz="2400" dirty="0" err="1"/>
+              <a:t>kita</a:t>
+            </a:r>
+            <a:r>
+              <a:rPr lang="en-US" sz="2400" dirty="0"/>
+              <a:t> </a:t>
+            </a:r>
+            <a:r>
+              <a:rPr lang="en-US" sz="2400" dirty="0" err="1"/>
+              <a:t>sudah</a:t>
+            </a:r>
+            <a:r>
+              <a:rPr lang="en-US" sz="2400" dirty="0"/>
+              <a:t> </a:t>
+            </a:r>
+            <a:r>
+              <a:rPr lang="en-US" sz="2400" dirty="0" err="1"/>
+              <a:t>mengimport</a:t>
+            </a:r>
+            <a:r>
+              <a:rPr lang="en-US" sz="2400" dirty="0"/>
+              <a:t> Seaborn, </a:t>
+            </a:r>
+            <a:r>
+              <a:rPr lang="en-US" sz="2400" dirty="0" err="1"/>
+              <a:t>kita</a:t>
+            </a:r>
+            <a:r>
+              <a:rPr lang="en-US" sz="2400" dirty="0"/>
+              <a:t> </a:t>
+            </a:r>
+            <a:r>
+              <a:rPr lang="en-US" sz="2400" dirty="0" err="1"/>
+              <a:t>dapat</a:t>
+            </a:r>
+            <a:r>
+              <a:rPr lang="en-US" sz="2400" dirty="0"/>
+              <a:t> </a:t>
+            </a:r>
+            <a:r>
+              <a:rPr lang="en-US" sz="2400" dirty="0" err="1"/>
+              <a:t>melihat</a:t>
+            </a:r>
+            <a:r>
+              <a:rPr lang="en-US" sz="2400" dirty="0"/>
+              <a:t> </a:t>
+            </a:r>
+            <a:r>
+              <a:rPr lang="en-US" sz="2400" dirty="0" err="1"/>
+              <a:t>apakah</a:t>
+            </a:r>
+            <a:r>
+              <a:rPr lang="en-US" sz="2400" dirty="0"/>
+              <a:t> Seaborn </a:t>
+            </a:r>
+            <a:r>
+              <a:rPr lang="en-US" sz="2400" dirty="0" err="1"/>
+              <a:t>sudah</a:t>
+            </a:r>
+            <a:r>
+              <a:rPr lang="en-US" sz="2400" dirty="0"/>
+              <a:t> </a:t>
+            </a:r>
+            <a:r>
+              <a:rPr lang="en-US" sz="2400" dirty="0" err="1"/>
+              <a:t>terpasang</a:t>
+            </a:r>
+            <a:r>
+              <a:rPr lang="en-US" sz="2400" dirty="0"/>
+              <a:t> </a:t>
+            </a:r>
+            <a:r>
+              <a:rPr lang="en-US" sz="2400" dirty="0" err="1"/>
+              <a:t>dengan</a:t>
+            </a:r>
+            <a:r>
+              <a:rPr lang="en-US" sz="2400" dirty="0"/>
+              <a:t> </a:t>
+            </a:r>
+            <a:r>
+              <a:rPr lang="en-US" sz="2400" dirty="0" err="1"/>
+              <a:t>benar</a:t>
+            </a:r>
+            <a:r>
+              <a:rPr lang="en-US" sz="2400" dirty="0"/>
+              <a:t> </a:t>
+            </a:r>
+            <a:r>
+              <a:rPr lang="en-US" sz="2400" dirty="0" err="1"/>
+              <a:t>atau</a:t>
+            </a:r>
+            <a:r>
+              <a:rPr lang="en-US" sz="2400" dirty="0"/>
+              <a:t> </a:t>
+            </a:r>
+            <a:r>
+              <a:rPr lang="en-US" sz="2400" dirty="0" err="1"/>
+              <a:t>tidak</a:t>
+            </a:r>
+            <a:r>
+              <a:rPr lang="en-US" sz="2400" dirty="0"/>
+              <a:t> </a:t>
+            </a:r>
+            <a:r>
+              <a:rPr lang="en-US" sz="2400" dirty="0" err="1"/>
+              <a:t>dengan</a:t>
+            </a:r>
+            <a:r>
+              <a:rPr lang="en-US" sz="2400" dirty="0"/>
+              <a:t> </a:t>
+            </a:r>
+            <a:r>
+              <a:rPr lang="en-US" sz="2400" dirty="0" err="1"/>
+              <a:t>mengetikkan</a:t>
+            </a:r>
+            <a:r>
+              <a:rPr lang="en-US" sz="2400" dirty="0"/>
+              <a:t> </a:t>
+            </a:r>
+            <a:r>
+              <a:rPr lang="en-US" sz="2400" dirty="0" err="1"/>
+              <a:t>sintaks</a:t>
+            </a:r>
+            <a:r>
+              <a:rPr lang="en-US" sz="2400" dirty="0"/>
+              <a:t> </a:t>
+            </a:r>
+            <a:r>
+              <a:rPr lang="en-US" sz="2400" dirty="0" err="1"/>
+              <a:t>sns</a:t>
+            </a:r>
+            <a:r>
+              <a:rPr lang="en-US" sz="2400" dirty="0"/>
+              <a:t>.__version__ dan </a:t>
+            </a:r>
+            <a:r>
+              <a:rPr lang="en-US" sz="2400" dirty="0" err="1"/>
+              <a:t>outputnya</a:t>
+            </a:r>
+            <a:r>
+              <a:rPr lang="en-US" sz="2400" dirty="0"/>
+              <a:t> </a:t>
+            </a:r>
+            <a:r>
+              <a:rPr lang="en-US" sz="2400" dirty="0" err="1"/>
+              <a:t>jika</a:t>
+            </a:r>
+            <a:r>
+              <a:rPr lang="en-US" sz="2400" dirty="0"/>
+              <a:t> </a:t>
+            </a:r>
+            <a:r>
+              <a:rPr lang="en-US" sz="2400" dirty="0" err="1"/>
+              <a:t>benar</a:t>
+            </a:r>
+            <a:r>
+              <a:rPr lang="en-US" sz="2400" dirty="0"/>
+              <a:t> </a:t>
+            </a:r>
+            <a:r>
+              <a:rPr lang="en-US" sz="2400" dirty="0" err="1"/>
+              <a:t>akan</a:t>
+            </a:r>
+            <a:r>
+              <a:rPr lang="en-US" sz="2400" dirty="0"/>
+              <a:t> </a:t>
+            </a:r>
+            <a:r>
+              <a:rPr lang="en-US" sz="2400" dirty="0" err="1"/>
+              <a:t>menghasilkan</a:t>
+            </a:r>
+            <a:r>
+              <a:rPr lang="en-US" sz="2400" dirty="0"/>
+              <a:t> </a:t>
+            </a:r>
+            <a:r>
+              <a:rPr lang="en-US" sz="2400" dirty="0" err="1"/>
+              <a:t>versi</a:t>
+            </a:r>
+            <a:r>
+              <a:rPr lang="en-US" sz="2400" dirty="0"/>
+              <a:t> </a:t>
+            </a:r>
+            <a:r>
+              <a:rPr lang="en-US" sz="2400" dirty="0" err="1"/>
+              <a:t>dari</a:t>
+            </a:r>
+            <a:r>
+              <a:rPr lang="en-US" sz="2400" dirty="0"/>
+              <a:t> Seaborn </a:t>
+            </a:r>
+            <a:r>
+              <a:rPr lang="en-US" sz="2400" dirty="0" err="1"/>
+              <a:t>tersebut</a:t>
+            </a:r>
+            <a:r>
+              <a:rPr lang="en-US" sz="2400" dirty="0"/>
+              <a:t>.</a:t>
+            </a:r>
+          </a:p>
+          <a:p>
+            <a:endParaRPr lang="en-US" dirty="0"/>
+          </a:p>
+        </p:txBody>
+      </p:sp>
+    </p:spTree>
+    <p:extLst>
+      <p:ext uri="{BB962C8B-B14F-4D97-AF65-F5344CB8AC3E}">
+        <p14:creationId xmlns:p14="http://schemas.microsoft.com/office/powerpoint/2010/main" val="763228695"/>
+      </p:ext>
+    </p:extLst>
+  </p:cSld>
+  <p:clrMapOvr>
+    <a:masterClrMapping/>
+  </p:clrMapOvr>
+</p:sld>
+</file>
+
+<file path=ppt/slides/slide28.xml><?xml version="1.0" encoding="utf-8"?>
+<p:sld xmlns:a="http://schemas.openxmlformats.org/drawingml/2006/main" xmlns:r="http://schemas.openxmlformats.org/officeDocument/2006/relationships" xmlns:p="http://schemas.openxmlformats.org/presentationml/2006/main">
+  <p:cSld>
+    <p:spTree>
+      <p:nvGrpSpPr>
+        <p:cNvPr id="1" name=""/>
+        <p:cNvGrpSpPr/>
+        <p:nvPr/>
+      </p:nvGrpSpPr>
+      <p:grpSpPr>
+        <a:xfrm>
+          <a:off x="0" y="0"/>
+          <a:ext cx="0" cy="0"/>
+          <a:chOff x="0" y="0"/>
+          <a:chExt cx="0" cy="0"/>
+        </a:xfrm>
+      </p:grpSpPr>
+      <p:sp>
+        <p:nvSpPr>
+          <p:cNvPr id="2" name="Title 1">
+            <a:extLst>
+              <a:ext uri="{FF2B5EF4-FFF2-40B4-BE49-F238E27FC236}">
+                <a16:creationId xmlns:a16="http://schemas.microsoft.com/office/drawing/2014/main" id="{50885E28-54E8-491F-B17E-A52F3B7F1523}"/>
+              </a:ext>
+            </a:extLst>
+          </p:cNvPr>
+          <p:cNvSpPr>
+            <a:spLocks noGrp="1"/>
+          </p:cNvSpPr>
+          <p:nvPr>
+            <p:ph type="title"/>
+          </p:nvPr>
+        </p:nvSpPr>
+        <p:spPr/>
+        <p:txBody>
+          <a:bodyPr/>
+          <a:lstStyle/>
+          <a:p>
+            <a:r>
+              <a:rPr lang="en-US" dirty="0"/>
+              <a:t>daftar PUSTAKA</a:t>
+            </a:r>
+          </a:p>
+        </p:txBody>
+      </p:sp>
+      <p:sp>
+        <p:nvSpPr>
+          <p:cNvPr id="3" name="Content Placeholder 2">
+            <a:extLst>
+              <a:ext uri="{FF2B5EF4-FFF2-40B4-BE49-F238E27FC236}">
+                <a16:creationId xmlns:a16="http://schemas.microsoft.com/office/drawing/2014/main" id="{537CB976-9A37-48BA-B3B7-47CDB98CC564}"/>
               </a:ext>
             </a:extLst>
           </p:cNvPr>
@@ -8254,7 +9215,7 @@
           <p:cNvPr id="2" name="Title 1">
             <a:extLst>
               <a:ext uri="{FF2B5EF4-FFF2-40B4-BE49-F238E27FC236}">
-                <a16:creationId xmlns:a16="http://schemas.microsoft.com/office/drawing/2014/main" xmlns="" id="{E032B052-9AB9-479B-B9CC-8BDFDF47E40C}"/>
+                <a16:creationId xmlns:a16="http://schemas.microsoft.com/office/drawing/2014/main" id="{E032B052-9AB9-479B-B9CC-8BDFDF47E40C}"/>
               </a:ext>
             </a:extLst>
           </p:cNvPr>
@@ -8291,7 +9252,7 @@
           <p:cNvPr id="5" name="Content Placeholder 4">
             <a:extLst>
               <a:ext uri="{FF2B5EF4-FFF2-40B4-BE49-F238E27FC236}">
-                <a16:creationId xmlns:a16="http://schemas.microsoft.com/office/drawing/2014/main" xmlns="" id="{4A9C24B5-D444-4B53-A672-0741C9EEEA28}"/>
+                <a16:creationId xmlns:a16="http://schemas.microsoft.com/office/drawing/2014/main" id="{4A9C24B5-D444-4B53-A672-0741C9EEEA28}"/>
               </a:ext>
             </a:extLst>
           </p:cNvPr>
@@ -8323,7 +9284,7 @@
           <p:cNvPr id="6" name="Content Placeholder 5">
             <a:extLst>
               <a:ext uri="{FF2B5EF4-FFF2-40B4-BE49-F238E27FC236}">
-                <a16:creationId xmlns:a16="http://schemas.microsoft.com/office/drawing/2014/main" xmlns="" id="{0CFEC6E1-C846-4CE0-9B18-CAD7F70A983B}"/>
+                <a16:creationId xmlns:a16="http://schemas.microsoft.com/office/drawing/2014/main" id="{0CFEC6E1-C846-4CE0-9B18-CAD7F70A983B}"/>
               </a:ext>
             </a:extLst>
           </p:cNvPr>
@@ -8385,7 +9346,7 @@
           <p:cNvPr id="2" name="Title 1">
             <a:extLst>
               <a:ext uri="{FF2B5EF4-FFF2-40B4-BE49-F238E27FC236}">
-                <a16:creationId xmlns:a16="http://schemas.microsoft.com/office/drawing/2014/main" xmlns="" id="{3A8F8451-4288-45F8-B193-661A95F84E1A}"/>
+                <a16:creationId xmlns:a16="http://schemas.microsoft.com/office/drawing/2014/main" id="{3A8F8451-4288-45F8-B193-661A95F84E1A}"/>
               </a:ext>
             </a:extLst>
           </p:cNvPr>
@@ -8417,7 +9378,7 @@
           <p:cNvPr id="4" name="Content Placeholder 3">
             <a:extLst>
               <a:ext uri="{FF2B5EF4-FFF2-40B4-BE49-F238E27FC236}">
-                <a16:creationId xmlns:a16="http://schemas.microsoft.com/office/drawing/2014/main" xmlns="" id="{285C7218-A6C3-4EF4-ACE8-2B45A555107D}"/>
+                <a16:creationId xmlns:a16="http://schemas.microsoft.com/office/drawing/2014/main" id="{285C7218-A6C3-4EF4-ACE8-2B45A555107D}"/>
               </a:ext>
             </a:extLst>
           </p:cNvPr>
@@ -8449,7 +9410,7 @@
           <p:cNvPr id="5" name="Picture 4">
             <a:extLst>
               <a:ext uri="{FF2B5EF4-FFF2-40B4-BE49-F238E27FC236}">
-                <a16:creationId xmlns:a16="http://schemas.microsoft.com/office/drawing/2014/main" xmlns="" id="{2BBDA339-C238-4706-BF18-C0CE7E59D725}"/>
+                <a16:creationId xmlns:a16="http://schemas.microsoft.com/office/drawing/2014/main" id="{2BBDA339-C238-4706-BF18-C0CE7E59D725}"/>
               </a:ext>
             </a:extLst>
           </p:cNvPr>
@@ -8479,7 +9440,7 @@
           <p:cNvPr id="6" name="Picture 5">
             <a:extLst>
               <a:ext uri="{FF2B5EF4-FFF2-40B4-BE49-F238E27FC236}">
-                <a16:creationId xmlns:a16="http://schemas.microsoft.com/office/drawing/2014/main" xmlns="" id="{97AEEABC-83DE-42BE-BAA9-F199E22AB3EE}"/>
+                <a16:creationId xmlns:a16="http://schemas.microsoft.com/office/drawing/2014/main" id="{97AEEABC-83DE-42BE-BAA9-F199E22AB3EE}"/>
               </a:ext>
             </a:extLst>
           </p:cNvPr>
@@ -8509,7 +9470,7 @@
           <p:cNvPr id="7" name="Arrow: Right 6">
             <a:extLst>
               <a:ext uri="{FF2B5EF4-FFF2-40B4-BE49-F238E27FC236}">
-                <a16:creationId xmlns:a16="http://schemas.microsoft.com/office/drawing/2014/main" xmlns="" id="{B6E387C2-4D4E-438D-9422-C9A9ADFEEF98}"/>
+                <a16:creationId xmlns:a16="http://schemas.microsoft.com/office/drawing/2014/main" id="{B6E387C2-4D4E-438D-9422-C9A9ADFEEF98}"/>
               </a:ext>
             </a:extLst>
           </p:cNvPr>
@@ -8555,7 +9516,7 @@
           <p:cNvPr id="8" name="Arrow: Right 7">
             <a:extLst>
               <a:ext uri="{FF2B5EF4-FFF2-40B4-BE49-F238E27FC236}">
-                <a16:creationId xmlns:a16="http://schemas.microsoft.com/office/drawing/2014/main" xmlns="" id="{CD1BA66C-3167-440E-BBEE-99BEDCB22C76}"/>
+                <a16:creationId xmlns:a16="http://schemas.microsoft.com/office/drawing/2014/main" id="{CD1BA66C-3167-440E-BBEE-99BEDCB22C76}"/>
               </a:ext>
             </a:extLst>
           </p:cNvPr>
@@ -8631,7 +9592,7 @@
           <p:cNvPr id="2" name="Title 1">
             <a:extLst>
               <a:ext uri="{FF2B5EF4-FFF2-40B4-BE49-F238E27FC236}">
-                <a16:creationId xmlns:a16="http://schemas.microsoft.com/office/drawing/2014/main" xmlns="" id="{DF8EAD61-6B60-473A-8B38-96661AABEE3F}"/>
+                <a16:creationId xmlns:a16="http://schemas.microsoft.com/office/drawing/2014/main" id="{DF8EAD61-6B60-473A-8B38-96661AABEE3F}"/>
               </a:ext>
             </a:extLst>
           </p:cNvPr>
@@ -8649,16 +9610,12 @@
           <a:p>
             <a:pPr algn="ctr"/>
             <a:r>
-              <a:rPr lang="en-US" dirty="0" err="1" smtClean="0"/>
+              <a:rPr lang="en-US" dirty="0" err="1"/>
               <a:t>Mencoba</a:t>
             </a:r>
             <a:r>
-              <a:rPr lang="en-US" dirty="0" smtClean="0"/>
-              <a:t> </a:t>
-            </a:r>
-            <a:r>
-              <a:rPr lang="en-US" dirty="0"/>
-              <a:t>program</a:t>
+              <a:rPr lang="en-US" dirty="0"/>
+              <a:t> program</a:t>
             </a:r>
           </a:p>
         </p:txBody>
@@ -8864,7 +9821,7 @@
           <p:cNvPr id="2" name="Title 1">
             <a:extLst>
               <a:ext uri="{FF2B5EF4-FFF2-40B4-BE49-F238E27FC236}">
-                <a16:creationId xmlns:a16="http://schemas.microsoft.com/office/drawing/2014/main" xmlns="" id="{5A711E72-9DB2-49FD-85FD-2DF96E428427}"/>
+                <a16:creationId xmlns:a16="http://schemas.microsoft.com/office/drawing/2014/main" id="{5A711E72-9DB2-49FD-85FD-2DF96E428427}"/>
               </a:ext>
             </a:extLst>
           </p:cNvPr>
@@ -9069,7 +10026,7 @@
           <p:cNvPr id="2" name="Title 1">
             <a:extLst>
               <a:ext uri="{FF2B5EF4-FFF2-40B4-BE49-F238E27FC236}">
-                <a16:creationId xmlns:a16="http://schemas.microsoft.com/office/drawing/2014/main" xmlns="" id="{BE2948F8-1ECB-4FD8-B2C9-8B8FF33D8DD1}"/>
+                <a16:creationId xmlns:a16="http://schemas.microsoft.com/office/drawing/2014/main" id="{BE2948F8-1ECB-4FD8-B2C9-8B8FF33D8DD1}"/>
               </a:ext>
             </a:extLst>
           </p:cNvPr>
@@ -9086,10 +10043,9 @@
           <a:lstStyle/>
           <a:p>
             <a:r>
-              <a:rPr lang="en-US" dirty="0" smtClean="0"/>
+              <a:rPr lang="en-US" dirty="0"/>
               <a:t>Install ide</a:t>
             </a:r>
-            <a:endParaRPr lang="en-US" dirty="0"/>
           </a:p>
         </p:txBody>
       </p:sp>
@@ -9098,7 +10054,7 @@
           <p:cNvPr id="4" name="Content Placeholder 3">
             <a:extLst>
               <a:ext uri="{FF2B5EF4-FFF2-40B4-BE49-F238E27FC236}">
-                <a16:creationId xmlns:a16="http://schemas.microsoft.com/office/drawing/2014/main" xmlns="" id="{BFC5BDE9-00B6-4E6D-905D-FE57DF585974}"/>
+                <a16:creationId xmlns:a16="http://schemas.microsoft.com/office/drawing/2014/main" id="{BFC5BDE9-00B6-4E6D-905D-FE57DF585974}"/>
               </a:ext>
             </a:extLst>
           </p:cNvPr>
@@ -9130,7 +10086,7 @@
           <p:cNvPr id="5" name="Picture 4">
             <a:extLst>
               <a:ext uri="{FF2B5EF4-FFF2-40B4-BE49-F238E27FC236}">
-                <a16:creationId xmlns:a16="http://schemas.microsoft.com/office/drawing/2014/main" xmlns="" id="{5FA3D9D4-6D55-466D-AF35-3FD2AB89A236}"/>
+                <a16:creationId xmlns:a16="http://schemas.microsoft.com/office/drawing/2014/main" id="{5FA3D9D4-6D55-466D-AF35-3FD2AB89A236}"/>
               </a:ext>
             </a:extLst>
           </p:cNvPr>
@@ -9160,7 +10116,7 @@
           <p:cNvPr id="6" name="Picture 5">
             <a:extLst>
               <a:ext uri="{FF2B5EF4-FFF2-40B4-BE49-F238E27FC236}">
-                <a16:creationId xmlns:a16="http://schemas.microsoft.com/office/drawing/2014/main" xmlns="" id="{FE3ECCDC-723C-44E6-AFDD-3EDA3B60FDFE}"/>
+                <a16:creationId xmlns:a16="http://schemas.microsoft.com/office/drawing/2014/main" id="{FE3ECCDC-723C-44E6-AFDD-3EDA3B60FDFE}"/>
               </a:ext>
             </a:extLst>
           </p:cNvPr>
@@ -9220,7 +10176,7 @@
           <p:cNvPr id="2" name="Title 1">
             <a:extLst>
               <a:ext uri="{FF2B5EF4-FFF2-40B4-BE49-F238E27FC236}">
-                <a16:creationId xmlns:a16="http://schemas.microsoft.com/office/drawing/2014/main" xmlns="" id="{9A60E9C4-514E-40E5-B975-DD51A20C34C3}"/>
+                <a16:creationId xmlns:a16="http://schemas.microsoft.com/office/drawing/2014/main" id="{9A60E9C4-514E-40E5-B975-DD51A20C34C3}"/>
               </a:ext>
             </a:extLst>
           </p:cNvPr>
@@ -9248,7 +10204,7 @@
           <p:cNvPr id="4" name="Content Placeholder 3">
             <a:extLst>
               <a:ext uri="{FF2B5EF4-FFF2-40B4-BE49-F238E27FC236}">
-                <a16:creationId xmlns:a16="http://schemas.microsoft.com/office/drawing/2014/main" xmlns="" id="{D16146F2-9F21-4D60-8821-24C86ABAC520}"/>
+                <a16:creationId xmlns:a16="http://schemas.microsoft.com/office/drawing/2014/main" id="{D16146F2-9F21-4D60-8821-24C86ABAC520}"/>
               </a:ext>
             </a:extLst>
           </p:cNvPr>
@@ -9280,7 +10236,7 @@
           <p:cNvPr id="5" name="TextBox 4">
             <a:extLst>
               <a:ext uri="{FF2B5EF4-FFF2-40B4-BE49-F238E27FC236}">
-                <a16:creationId xmlns:a16="http://schemas.microsoft.com/office/drawing/2014/main" xmlns="" id="{3BF0C0B2-B19C-4237-8692-65F51EB38EF6}"/>
+                <a16:creationId xmlns:a16="http://schemas.microsoft.com/office/drawing/2014/main" id="{3BF0C0B2-B19C-4237-8692-65F51EB38EF6}"/>
               </a:ext>
             </a:extLst>
           </p:cNvPr>
@@ -9877,16 +10833,7 @@
                 </a:solidFill>
                 <a:latin typeface="-apple-system"/>
               </a:rPr>
-              <a:t> enumerated type.</a:t>
-            </a:r>
-            <a:r>
-              <a:rPr lang="en-US" dirty="0">
-                <a:solidFill>
-                  <a:srgbClr val="212529"/>
-                </a:solidFill>
-                <a:latin typeface="-apple-system"/>
-              </a:rPr>
-              <a:t> :</a:t>
+              <a:t> enumerated type. :</a:t>
             </a:r>
           </a:p>
         </p:txBody>
@@ -9926,7 +10873,7 @@
           <p:cNvPr id="2" name="Title 1">
             <a:extLst>
               <a:ext uri="{FF2B5EF4-FFF2-40B4-BE49-F238E27FC236}">
-                <a16:creationId xmlns:a16="http://schemas.microsoft.com/office/drawing/2014/main" xmlns="" id="{49AD996F-BEA8-4777-A69F-5DA582B8D415}"/>
+                <a16:creationId xmlns:a16="http://schemas.microsoft.com/office/drawing/2014/main" id="{49AD996F-BEA8-4777-A69F-5DA582B8D415}"/>
               </a:ext>
             </a:extLst>
           </p:cNvPr>
@@ -9943,10 +10890,9 @@
           <a:lstStyle/>
           <a:p>
             <a:r>
-              <a:rPr lang="en-US" dirty="0" smtClean="0"/>
+              <a:rPr lang="en-US" dirty="0"/>
               <a:t>Operator</a:t>
             </a:r>
-            <a:endParaRPr lang="en-US" dirty="0"/>
           </a:p>
         </p:txBody>
       </p:sp>
@@ -9955,7 +10901,7 @@
           <p:cNvPr id="3" name="Content Placeholder 2">
             <a:extLst>
               <a:ext uri="{FF2B5EF4-FFF2-40B4-BE49-F238E27FC236}">
-                <a16:creationId xmlns:a16="http://schemas.microsoft.com/office/drawing/2014/main" xmlns="" id="{1C3084C2-61D9-4901-A0AA-D264657A712A}"/>
+                <a16:creationId xmlns:a16="http://schemas.microsoft.com/office/drawing/2014/main" id="{1C3084C2-61D9-4901-A0AA-D264657A712A}"/>
               </a:ext>
             </a:extLst>
           </p:cNvPr>
